--- a/docs/diagrams/ModelComponentClassDiagram.pptx
+++ b/docs/diagrams/ModelComponentClassDiagram.pptx
@@ -208,7 +208,7 @@
           <a:p>
             <a:fld id="{F5CC4B3F-88C1-4FFA-B1B6-F41C21DC6924}" type="datetimeFigureOut">
               <a:rPr lang="en-US" smtClean="0"/>
-              <a:t>3/13/2018</a:t>
+              <a:t>3/26/2018</a:t>
             </a:fld>
             <a:endParaRPr lang="en-US"/>
           </a:p>
@@ -654,7 +654,7 @@
           <a:p>
             <a:fld id="{78C97017-6FC3-485B-9764-EAC9E56C1D49}" type="datetimeFigureOut">
               <a:rPr lang="en-US" smtClean="0"/>
-              <a:t>3/13/2018</a:t>
+              <a:t>3/26/2018</a:t>
             </a:fld>
             <a:endParaRPr lang="en-US"/>
           </a:p>
@@ -822,7 +822,7 @@
           <a:p>
             <a:fld id="{78C97017-6FC3-485B-9764-EAC9E56C1D49}" type="datetimeFigureOut">
               <a:rPr lang="en-US" smtClean="0"/>
-              <a:t>3/13/2018</a:t>
+              <a:t>3/26/2018</a:t>
             </a:fld>
             <a:endParaRPr lang="en-US"/>
           </a:p>
@@ -1000,7 +1000,7 @@
           <a:p>
             <a:fld id="{78C97017-6FC3-485B-9764-EAC9E56C1D49}" type="datetimeFigureOut">
               <a:rPr lang="en-US" smtClean="0"/>
-              <a:t>3/13/2018</a:t>
+              <a:t>3/26/2018</a:t>
             </a:fld>
             <a:endParaRPr lang="en-US"/>
           </a:p>
@@ -1168,7 +1168,7 @@
           <a:p>
             <a:fld id="{78C97017-6FC3-485B-9764-EAC9E56C1D49}" type="datetimeFigureOut">
               <a:rPr lang="en-US" smtClean="0"/>
-              <a:t>3/13/2018</a:t>
+              <a:t>3/26/2018</a:t>
             </a:fld>
             <a:endParaRPr lang="en-US"/>
           </a:p>
@@ -1413,7 +1413,7 @@
           <a:p>
             <a:fld id="{78C97017-6FC3-485B-9764-EAC9E56C1D49}" type="datetimeFigureOut">
               <a:rPr lang="en-US" smtClean="0"/>
-              <a:t>3/13/2018</a:t>
+              <a:t>3/26/2018</a:t>
             </a:fld>
             <a:endParaRPr lang="en-US"/>
           </a:p>
@@ -1698,7 +1698,7 @@
           <a:p>
             <a:fld id="{78C97017-6FC3-485B-9764-EAC9E56C1D49}" type="datetimeFigureOut">
               <a:rPr lang="en-US" smtClean="0"/>
-              <a:t>3/13/2018</a:t>
+              <a:t>3/26/2018</a:t>
             </a:fld>
             <a:endParaRPr lang="en-US"/>
           </a:p>
@@ -2117,7 +2117,7 @@
           <a:p>
             <a:fld id="{78C97017-6FC3-485B-9764-EAC9E56C1D49}" type="datetimeFigureOut">
               <a:rPr lang="en-US" smtClean="0"/>
-              <a:t>3/13/2018</a:t>
+              <a:t>3/26/2018</a:t>
             </a:fld>
             <a:endParaRPr lang="en-US"/>
           </a:p>
@@ -2234,7 +2234,7 @@
           <a:p>
             <a:fld id="{78C97017-6FC3-485B-9764-EAC9E56C1D49}" type="datetimeFigureOut">
               <a:rPr lang="en-US" smtClean="0"/>
-              <a:t>3/13/2018</a:t>
+              <a:t>3/26/2018</a:t>
             </a:fld>
             <a:endParaRPr lang="en-US"/>
           </a:p>
@@ -2329,7 +2329,7 @@
           <a:p>
             <a:fld id="{78C97017-6FC3-485B-9764-EAC9E56C1D49}" type="datetimeFigureOut">
               <a:rPr lang="en-US" smtClean="0"/>
-              <a:t>3/13/2018</a:t>
+              <a:t>3/26/2018</a:t>
             </a:fld>
             <a:endParaRPr lang="en-US"/>
           </a:p>
@@ -2604,7 +2604,7 @@
           <a:p>
             <a:fld id="{78C97017-6FC3-485B-9764-EAC9E56C1D49}" type="datetimeFigureOut">
               <a:rPr lang="en-US" smtClean="0"/>
-              <a:t>3/13/2018</a:t>
+              <a:t>3/26/2018</a:t>
             </a:fld>
             <a:endParaRPr lang="en-US"/>
           </a:p>
@@ -2856,7 +2856,7 @@
           <a:p>
             <a:fld id="{78C97017-6FC3-485B-9764-EAC9E56C1D49}" type="datetimeFigureOut">
               <a:rPr lang="en-US" smtClean="0"/>
-              <a:t>3/13/2018</a:t>
+              <a:t>3/26/2018</a:t>
             </a:fld>
             <a:endParaRPr lang="en-US"/>
           </a:p>
@@ -3067,7 +3067,7 @@
           <a:p>
             <a:fld id="{78C97017-6FC3-485B-9764-EAC9E56C1D49}" type="datetimeFigureOut">
               <a:rPr lang="en-US" smtClean="0"/>
-              <a:t>3/13/2018</a:t>
+              <a:t>3/26/2018</a:t>
             </a:fld>
             <a:endParaRPr lang="en-US"/>
           </a:p>
@@ -3450,8 +3450,8 @@
         </p:nvSpPr>
         <p:spPr>
           <a:xfrm>
-            <a:off x="1119865" y="1727200"/>
-            <a:ext cx="7490735" cy="2997200"/>
+            <a:off x="1119865" y="1526860"/>
+            <a:ext cx="7490735" cy="3273740"/>
           </a:xfrm>
           <a:prstGeom prst="roundRect">
             <a:avLst>
@@ -3505,14 +3505,14 @@
       </p:sp>
       <p:sp>
         <p:nvSpPr>
-          <p:cNvPr id="2" name="Rectangle 8"/>
+          <p:cNvPr id="9" name="Rectangle 62"/>
           <p:cNvSpPr/>
           <p:nvPr/>
         </p:nvSpPr>
         <p:spPr>
-          <a:xfrm>
-            <a:off x="2877180" y="3158440"/>
-            <a:ext cx="1093635" cy="346760"/>
+          <a:xfrm rot="16200000">
+            <a:off x="1484620" y="3068030"/>
+            <a:ext cx="1492322" cy="346760"/>
           </a:xfrm>
           <a:prstGeom prst="rect">
             <a:avLst/>
@@ -3552,65 +3552,6 @@
                   <a:schemeClr val="bg1"/>
                 </a:solidFill>
               </a:rPr>
-              <a:t>UserPref</a:t>
-            </a:r>
-            <a:endParaRPr lang="en-SG" sz="1050" dirty="0">
-              <a:solidFill>
-                <a:schemeClr val="bg1"/>
-              </a:solidFill>
-            </a:endParaRPr>
-          </a:p>
-        </p:txBody>
-      </p:sp>
-      <p:sp>
-        <p:nvSpPr>
-          <p:cNvPr id="9" name="Rectangle 62"/>
-          <p:cNvSpPr/>
-          <p:nvPr/>
-        </p:nvSpPr>
-        <p:spPr>
-          <a:xfrm rot="16200000">
-            <a:off x="1683963" y="2868687"/>
-            <a:ext cx="1093635" cy="346760"/>
-          </a:xfrm>
-          <a:prstGeom prst="rect">
-            <a:avLst/>
-          </a:prstGeom>
-          <a:solidFill>
-            <a:srgbClr val="7030A0"/>
-          </a:solidFill>
-          <a:ln w="19050">
-            <a:solidFill>
-              <a:srgbClr val="7030A0"/>
-            </a:solidFill>
-          </a:ln>
-          <a:effectLst/>
-        </p:spPr>
-        <p:style>
-          <a:lnRef idx="1">
-            <a:schemeClr val="accent2"/>
-          </a:lnRef>
-          <a:fillRef idx="2">
-            <a:schemeClr val="accent2"/>
-          </a:fillRef>
-          <a:effectRef idx="1">
-            <a:schemeClr val="accent2"/>
-          </a:effectRef>
-          <a:fontRef idx="minor">
-            <a:schemeClr val="dk1"/>
-          </a:fontRef>
-        </p:style>
-        <p:txBody>
-          <a:bodyPr rtlCol="0" anchor="ctr"/>
-          <a:lstStyle/>
-          <a:p>
-            <a:pPr algn="ctr"/>
-            <a:r>
-              <a:rPr lang="en-US" sz="1050" dirty="0" err="1">
-                <a:solidFill>
-                  <a:schemeClr val="bg1"/>
-                </a:solidFill>
-              </a:rPr>
               <a:t>ModelManager</a:t>
             </a:r>
             <a:endParaRPr lang="en-SG" sz="1050" dirty="0">
@@ -3633,12 +3574,12 @@
         </p:nvCxnSpPr>
         <p:spPr>
           <a:xfrm rot="5400000" flipH="1" flipV="1">
-            <a:off x="4123612" y="1044728"/>
-            <a:ext cx="651325" cy="4436989"/>
+            <a:off x="3924269" y="1244071"/>
+            <a:ext cx="1050011" cy="4436989"/>
           </a:xfrm>
           <a:prstGeom prst="bentConnector3">
             <a:avLst>
-              <a:gd name="adj1" fmla="val -45093"/>
+              <a:gd name="adj1" fmla="val -23204"/>
             </a:avLst>
           </a:prstGeom>
           <a:ln w="19050">
@@ -3783,47 +3724,6 @@
           </a:p>
         </p:txBody>
       </p:sp>
-      <p:cxnSp>
-        <p:nvCxnSpPr>
-          <p:cNvPr id="58" name="Straight Arrow Connector 57"/>
-          <p:cNvCxnSpPr>
-            <a:stCxn id="42" idx="3"/>
-            <a:endCxn id="2" idx="1"/>
-          </p:cNvCxnSpPr>
-          <p:nvPr/>
-        </p:nvCxnSpPr>
-        <p:spPr>
-          <a:xfrm>
-            <a:off x="2656370" y="3326536"/>
-            <a:ext cx="220810" cy="5284"/>
-          </a:xfrm>
-          <a:prstGeom prst="straightConnector1">
-            <a:avLst/>
-          </a:prstGeom>
-          <a:ln w="19050">
-            <a:solidFill>
-              <a:srgbClr val="7030A0"/>
-            </a:solidFill>
-            <a:headEnd type="none" w="med" len="med"/>
-            <a:tailEnd type="arrow" w="med" len="med"/>
-          </a:ln>
-          <a:effectLst/>
-        </p:spPr>
-        <p:style>
-          <a:lnRef idx="1">
-            <a:schemeClr val="accent2"/>
-          </a:lnRef>
-          <a:fillRef idx="2">
-            <a:schemeClr val="accent2"/>
-          </a:fillRef>
-          <a:effectRef idx="1">
-            <a:schemeClr val="accent2"/>
-          </a:effectRef>
-          <a:fontRef idx="minor">
-            <a:schemeClr val="dk1"/>
-          </a:fontRef>
-        </p:style>
-      </p:cxnSp>
       <p:cxnSp>
         <p:nvCxnSpPr>
           <p:cNvPr id="75" name="Elbow Connector 122"/>
@@ -3910,58 +3810,13 @@
       </p:cxnSp>
       <p:sp>
         <p:nvSpPr>
-          <p:cNvPr id="42" name="Flowchart: Decision 96"/>
-          <p:cNvSpPr/>
-          <p:nvPr/>
-        </p:nvSpPr>
-        <p:spPr>
-          <a:xfrm>
-            <a:off x="2420322" y="3239846"/>
-            <a:ext cx="236048" cy="173380"/>
-          </a:xfrm>
-          <a:prstGeom prst="flowChartDecision">
-            <a:avLst/>
-          </a:prstGeom>
-          <a:noFill/>
-          <a:ln w="19050">
-            <a:solidFill>
-              <a:srgbClr val="7030A0"/>
-            </a:solidFill>
-          </a:ln>
-          <a:effectLst/>
-        </p:spPr>
-        <p:style>
-          <a:lnRef idx="1">
-            <a:schemeClr val="accent6"/>
-          </a:lnRef>
-          <a:fillRef idx="2">
-            <a:schemeClr val="accent6"/>
-          </a:fillRef>
-          <a:effectRef idx="1">
-            <a:schemeClr val="accent6"/>
-          </a:effectRef>
-          <a:fontRef idx="minor">
-            <a:schemeClr val="dk1"/>
-          </a:fontRef>
-        </p:style>
-        <p:txBody>
-          <a:bodyPr rtlCol="0" anchor="ctr"/>
-          <a:lstStyle/>
-          <a:p>
-            <a:pPr algn="ctr"/>
-            <a:endParaRPr lang="en-US" sz="1050"/>
-          </a:p>
-        </p:txBody>
-      </p:sp>
-      <p:sp>
-        <p:nvSpPr>
           <p:cNvPr id="46" name="Rectangle 8"/>
           <p:cNvSpPr/>
           <p:nvPr/>
         </p:nvSpPr>
         <p:spPr>
           <a:xfrm>
-            <a:off x="2879490" y="2627420"/>
+            <a:off x="2879490" y="2501582"/>
             <a:ext cx="1093635" cy="346760"/>
           </a:xfrm>
           <a:prstGeom prst="rect">
@@ -4020,7 +3875,7 @@
         </p:nvCxnSpPr>
         <p:spPr>
           <a:xfrm>
-            <a:off x="2658680" y="2795516"/>
+            <a:off x="2658680" y="2669678"/>
             <a:ext cx="220810" cy="5284"/>
           </a:xfrm>
           <a:prstGeom prst="straightConnector1">
@@ -4058,7 +3913,7 @@
         </p:nvSpPr>
         <p:spPr>
           <a:xfrm>
-            <a:off x="2422632" y="2708826"/>
+            <a:off x="2422632" y="2582988"/>
             <a:ext cx="236048" cy="173380"/>
           </a:xfrm>
           <a:prstGeom prst="flowChartDecision">
@@ -4390,8 +4245,8 @@
         </p:nvSpPr>
         <p:spPr>
           <a:xfrm>
-            <a:off x="7712396" y="2318642"/>
-            <a:ext cx="817939" cy="293825"/>
+            <a:off x="7712396" y="2209800"/>
+            <a:ext cx="817939" cy="191320"/>
           </a:xfrm>
           <a:prstGeom prst="rect">
             <a:avLst/>
@@ -4497,8 +4352,8 @@
         </p:nvCxnSpPr>
         <p:spPr>
           <a:xfrm flipV="1">
-            <a:off x="7277995" y="2465555"/>
-            <a:ext cx="434401" cy="331782"/>
+            <a:off x="7277995" y="2305460"/>
+            <a:ext cx="434401" cy="491877"/>
           </a:xfrm>
           <a:prstGeom prst="bentConnector3">
             <a:avLst/>
@@ -4535,8 +4390,8 @@
         </p:nvSpPr>
         <p:spPr>
           <a:xfrm>
-            <a:off x="7712396" y="2649662"/>
-            <a:ext cx="817945" cy="285783"/>
+            <a:off x="7712396" y="2438400"/>
+            <a:ext cx="817945" cy="190393"/>
           </a:xfrm>
           <a:prstGeom prst="rect">
             <a:avLst/>
@@ -4595,8 +4450,8 @@
         </p:nvCxnSpPr>
         <p:spPr>
           <a:xfrm flipV="1">
-            <a:off x="7277995" y="2792554"/>
-            <a:ext cx="434401" cy="4783"/>
+            <a:off x="7277995" y="2533597"/>
+            <a:ext cx="434401" cy="263740"/>
           </a:xfrm>
           <a:prstGeom prst="bentConnector3">
             <a:avLst/>
@@ -4633,8 +4488,8 @@
         </p:nvSpPr>
         <p:spPr>
           <a:xfrm>
-            <a:off x="7712397" y="2972640"/>
-            <a:ext cx="835738" cy="285783"/>
+            <a:off x="7712397" y="2667000"/>
+            <a:ext cx="835738" cy="190393"/>
           </a:xfrm>
           <a:prstGeom prst="rect">
             <a:avLst/>
@@ -4692,9 +4547,9 @@
           <p:nvPr/>
         </p:nvCxnSpPr>
         <p:spPr>
-          <a:xfrm>
-            <a:off x="7277995" y="2797337"/>
-            <a:ext cx="434402" cy="318195"/>
+          <a:xfrm flipV="1">
+            <a:off x="7277995" y="2762197"/>
+            <a:ext cx="434402" cy="35140"/>
           </a:xfrm>
           <a:prstGeom prst="bentConnector3">
             <a:avLst/>
@@ -4731,8 +4586,8 @@
         </p:nvSpPr>
         <p:spPr>
           <a:xfrm>
-            <a:off x="7712396" y="3295618"/>
-            <a:ext cx="835739" cy="285782"/>
+            <a:off x="7712396" y="2895600"/>
+            <a:ext cx="835739" cy="190393"/>
           </a:xfrm>
           <a:prstGeom prst="rect">
             <a:avLst/>
@@ -4792,7 +4647,7 @@
         <p:spPr>
           <a:xfrm>
             <a:off x="7277995" y="2797337"/>
-            <a:ext cx="434401" cy="641172"/>
+            <a:ext cx="434401" cy="193460"/>
           </a:xfrm>
           <a:prstGeom prst="bentConnector3">
             <a:avLst/>
@@ -4825,14 +4680,16 @@
         <p:nvCxnSpPr>
           <p:cNvPr id="97" name="Elbow Connector 63"/>
           <p:cNvCxnSpPr>
+            <a:cxnSpLocks/>
             <a:stCxn id="99" idx="3"/>
+            <a:endCxn id="46" idx="0"/>
           </p:cNvCxnSpPr>
           <p:nvPr/>
         </p:nvCxnSpPr>
         <p:spPr>
           <a:xfrm rot="16200000" flipH="1">
-            <a:off x="3279321" y="2485431"/>
-            <a:ext cx="293825" cy="1"/>
+            <a:off x="3344739" y="2420013"/>
+            <a:ext cx="163062" cy="75"/>
           </a:xfrm>
           <a:prstGeom prst="bentConnector3">
             <a:avLst>
@@ -5030,7 +4887,7 @@
         </p:nvSpPr>
         <p:spPr>
           <a:xfrm>
-            <a:off x="2057401" y="4239491"/>
+            <a:off x="2057401" y="4343400"/>
             <a:ext cx="1066800" cy="346760"/>
           </a:xfrm>
           <a:prstGeom prst="rect">
@@ -5071,7 +4928,7 @@
               <a:t>&lt;&lt;interface&gt;&gt;</a:t>
             </a:r>
             <a:br>
-              <a:rPr lang="en-US" sz="1050">
+              <a:rPr lang="en-US" sz="1050" dirty="0">
                 <a:solidFill>
                   <a:srgbClr val="7030A0"/>
                 </a:solidFill>
@@ -5104,8 +4961,8 @@
         </p:nvCxnSpPr>
         <p:spPr>
           <a:xfrm rot="16200000" flipH="1">
-            <a:off x="1364475" y="3719944"/>
-            <a:ext cx="831471" cy="554381"/>
+            <a:off x="1312520" y="3771899"/>
+            <a:ext cx="935380" cy="554381"/>
           </a:xfrm>
           <a:prstGeom prst="bentConnector2">
             <a:avLst/>
@@ -5283,7 +5140,251 @@
         </p:nvSpPr>
         <p:spPr>
           <a:xfrm>
-            <a:off x="2687923" y="2564238"/>
+            <a:off x="2687923" y="2438400"/>
+            <a:ext cx="189257" cy="178683"/>
+          </a:xfrm>
+          <a:prstGeom prst="rect">
+            <a:avLst/>
+          </a:prstGeom>
+          <a:noFill/>
+        </p:spPr>
+        <p:txBody>
+          <a:bodyPr wrap="square" lIns="0" tIns="0" rIns="0" bIns="0" rtlCol="0">
+            <a:noAutofit/>
+          </a:bodyPr>
+          <a:lstStyle/>
+          <a:p>
+            <a:pPr algn="ctr"/>
+            <a:r>
+              <a:rPr lang="en-US" sz="1100" dirty="0">
+                <a:solidFill>
+                  <a:srgbClr val="7030A0"/>
+                </a:solidFill>
+              </a:rPr>
+              <a:t>2</a:t>
+            </a:r>
+            <a:endParaRPr lang="en-SG" sz="1100" dirty="0">
+              <a:solidFill>
+                <a:srgbClr val="7030A0"/>
+              </a:solidFill>
+            </a:endParaRPr>
+          </a:p>
+        </p:txBody>
+      </p:sp>
+      <p:grpSp>
+        <p:nvGrpSpPr>
+          <p:cNvPr id="3" name="Group 2">
+            <a:extLst>
+              <a:ext uri="{FF2B5EF4-FFF2-40B4-BE49-F238E27FC236}">
+                <a16:creationId xmlns:a16="http://schemas.microsoft.com/office/drawing/2014/main" id="{F62A39A5-255C-4C75-855F-BC3F3DECB3FF}"/>
+              </a:ext>
+            </a:extLst>
+          </p:cNvPr>
+          <p:cNvGrpSpPr/>
+          <p:nvPr/>
+        </p:nvGrpSpPr>
+        <p:grpSpPr>
+          <a:xfrm>
+            <a:off x="2420322" y="3352800"/>
+            <a:ext cx="1550493" cy="406293"/>
+            <a:chOff x="2420322" y="3200400"/>
+            <a:chExt cx="1550493" cy="406293"/>
+          </a:xfrm>
+        </p:grpSpPr>
+        <p:sp>
+          <p:nvSpPr>
+            <p:cNvPr id="2" name="Rectangle 8"/>
+            <p:cNvSpPr/>
+            <p:nvPr/>
+          </p:nvSpPr>
+          <p:spPr>
+            <a:xfrm>
+              <a:off x="2877180" y="3200400"/>
+              <a:ext cx="1093635" cy="346760"/>
+            </a:xfrm>
+            <a:prstGeom prst="rect">
+              <a:avLst/>
+            </a:prstGeom>
+            <a:solidFill>
+              <a:srgbClr val="7030A0"/>
+            </a:solidFill>
+            <a:ln w="19050">
+              <a:solidFill>
+                <a:srgbClr val="7030A0"/>
+              </a:solidFill>
+            </a:ln>
+            <a:effectLst/>
+          </p:spPr>
+          <p:style>
+            <a:lnRef idx="1">
+              <a:schemeClr val="accent2"/>
+            </a:lnRef>
+            <a:fillRef idx="2">
+              <a:schemeClr val="accent2"/>
+            </a:fillRef>
+            <a:effectRef idx="1">
+              <a:schemeClr val="accent2"/>
+            </a:effectRef>
+            <a:fontRef idx="minor">
+              <a:schemeClr val="dk1"/>
+            </a:fontRef>
+          </p:style>
+          <p:txBody>
+            <a:bodyPr rtlCol="0" anchor="ctr"/>
+            <a:lstStyle/>
+            <a:p>
+              <a:pPr algn="ctr"/>
+              <a:r>
+                <a:rPr lang="en-US" sz="1050" dirty="0" err="1">
+                  <a:solidFill>
+                    <a:schemeClr val="bg1"/>
+                  </a:solidFill>
+                </a:rPr>
+                <a:t>UserPref</a:t>
+              </a:r>
+              <a:endParaRPr lang="en-SG" sz="1050" dirty="0">
+                <a:solidFill>
+                  <a:schemeClr val="bg1"/>
+                </a:solidFill>
+              </a:endParaRPr>
+            </a:p>
+          </p:txBody>
+        </p:sp>
+        <p:cxnSp>
+          <p:nvCxnSpPr>
+            <p:cNvPr id="58" name="Straight Arrow Connector 57"/>
+            <p:cNvCxnSpPr>
+              <a:stCxn id="42" idx="3"/>
+              <a:endCxn id="2" idx="1"/>
+            </p:cNvCxnSpPr>
+            <p:nvPr/>
+          </p:nvCxnSpPr>
+          <p:spPr>
+            <a:xfrm>
+              <a:off x="2656370" y="3368496"/>
+              <a:ext cx="220810" cy="5284"/>
+            </a:xfrm>
+            <a:prstGeom prst="straightConnector1">
+              <a:avLst/>
+            </a:prstGeom>
+            <a:ln w="19050">
+              <a:solidFill>
+                <a:srgbClr val="7030A0"/>
+              </a:solidFill>
+              <a:headEnd type="none" w="med" len="med"/>
+              <a:tailEnd type="arrow" w="med" len="med"/>
+            </a:ln>
+            <a:effectLst/>
+          </p:spPr>
+          <p:style>
+            <a:lnRef idx="1">
+              <a:schemeClr val="accent2"/>
+            </a:lnRef>
+            <a:fillRef idx="2">
+              <a:schemeClr val="accent2"/>
+            </a:fillRef>
+            <a:effectRef idx="1">
+              <a:schemeClr val="accent2"/>
+            </a:effectRef>
+            <a:fontRef idx="minor">
+              <a:schemeClr val="dk1"/>
+            </a:fontRef>
+          </p:style>
+        </p:cxnSp>
+        <p:sp>
+          <p:nvSpPr>
+            <p:cNvPr id="42" name="Flowchart: Decision 96"/>
+            <p:cNvSpPr/>
+            <p:nvPr/>
+          </p:nvSpPr>
+          <p:spPr>
+            <a:xfrm>
+              <a:off x="2420322" y="3281806"/>
+              <a:ext cx="236048" cy="173380"/>
+            </a:xfrm>
+            <a:prstGeom prst="flowChartDecision">
+              <a:avLst/>
+            </a:prstGeom>
+            <a:noFill/>
+            <a:ln w="19050">
+              <a:solidFill>
+                <a:srgbClr val="7030A0"/>
+              </a:solidFill>
+            </a:ln>
+            <a:effectLst/>
+          </p:spPr>
+          <p:style>
+            <a:lnRef idx="1">
+              <a:schemeClr val="accent6"/>
+            </a:lnRef>
+            <a:fillRef idx="2">
+              <a:schemeClr val="accent6"/>
+            </a:fillRef>
+            <a:effectRef idx="1">
+              <a:schemeClr val="accent6"/>
+            </a:effectRef>
+            <a:fontRef idx="minor">
+              <a:schemeClr val="dk1"/>
+            </a:fontRef>
+          </p:style>
+          <p:txBody>
+            <a:bodyPr rtlCol="0" anchor="ctr"/>
+            <a:lstStyle/>
+            <a:p>
+              <a:pPr algn="ctr"/>
+              <a:endParaRPr lang="en-US" sz="1050"/>
+            </a:p>
+          </p:txBody>
+        </p:sp>
+        <p:sp>
+          <p:nvSpPr>
+            <p:cNvPr id="66" name="TextBox 65"/>
+            <p:cNvSpPr txBox="1"/>
+            <p:nvPr/>
+          </p:nvSpPr>
+          <p:spPr>
+            <a:xfrm>
+              <a:off x="2656370" y="3428010"/>
+              <a:ext cx="189257" cy="178683"/>
+            </a:xfrm>
+            <a:prstGeom prst="rect">
+              <a:avLst/>
+            </a:prstGeom>
+            <a:noFill/>
+          </p:spPr>
+          <p:txBody>
+            <a:bodyPr wrap="square" lIns="0" tIns="0" rIns="0" bIns="0" rtlCol="0">
+              <a:noAutofit/>
+            </a:bodyPr>
+            <a:lstStyle/>
+            <a:p>
+              <a:pPr algn="ctr"/>
+              <a:r>
+                <a:rPr lang="en-US" sz="1100" dirty="0">
+                  <a:solidFill>
+                    <a:srgbClr val="7030A0"/>
+                  </a:solidFill>
+                </a:rPr>
+                <a:t>1</a:t>
+              </a:r>
+              <a:endParaRPr lang="en-SG" sz="1100" dirty="0">
+                <a:solidFill>
+                  <a:srgbClr val="7030A0"/>
+                </a:solidFill>
+              </a:endParaRPr>
+            </a:p>
+          </p:txBody>
+        </p:sp>
+      </p:grpSp>
+      <p:sp>
+        <p:nvSpPr>
+          <p:cNvPr id="70" name="TextBox 69"/>
+          <p:cNvSpPr txBox="1"/>
+          <p:nvPr/>
+        </p:nvSpPr>
+        <p:spPr>
+          <a:xfrm>
+            <a:off x="6440143" y="2948645"/>
             <a:ext cx="189257" cy="178683"/>
           </a:xfrm>
           <a:prstGeom prst="rect">
@@ -5316,13 +5417,180 @@
       </p:sp>
       <p:sp>
         <p:nvSpPr>
-          <p:cNvPr id="66" name="TextBox 65"/>
+          <p:cNvPr id="50" name="Rectangle 8">
+            <a:extLst>
+              <a:ext uri="{FF2B5EF4-FFF2-40B4-BE49-F238E27FC236}">
+                <a16:creationId xmlns:a16="http://schemas.microsoft.com/office/drawing/2014/main" id="{BF1C8812-22AD-4717-A498-F4F98E710F55}"/>
+              </a:ext>
+            </a:extLst>
+          </p:cNvPr>
+          <p:cNvSpPr/>
+          <p:nvPr/>
+        </p:nvSpPr>
+        <p:spPr>
+          <a:xfrm>
+            <a:off x="2884884" y="2938568"/>
+            <a:ext cx="1291923" cy="346760"/>
+          </a:xfrm>
+          <a:prstGeom prst="rect">
+            <a:avLst/>
+          </a:prstGeom>
+          <a:ln w="19050">
+            <a:solidFill>
+              <a:srgbClr val="7030A0"/>
+            </a:solidFill>
+          </a:ln>
+          <a:effectLst/>
+        </p:spPr>
+        <p:style>
+          <a:lnRef idx="1">
+            <a:schemeClr val="accent4"/>
+          </a:lnRef>
+          <a:fillRef idx="2">
+            <a:schemeClr val="accent4"/>
+          </a:fillRef>
+          <a:effectRef idx="1">
+            <a:schemeClr val="accent4"/>
+          </a:effectRef>
+          <a:fontRef idx="minor">
+            <a:schemeClr val="dk1"/>
+          </a:fontRef>
+        </p:style>
+        <p:txBody>
+          <a:bodyPr rtlCol="0" anchor="ctr"/>
+          <a:lstStyle/>
+          <a:p>
+            <a:pPr algn="ctr"/>
+            <a:r>
+              <a:rPr lang="en-US" sz="1050" dirty="0" err="1">
+                <a:solidFill>
+                  <a:srgbClr val="7030A0"/>
+                </a:solidFill>
+              </a:rPr>
+              <a:t>UniqueBookCircularList</a:t>
+            </a:r>
+            <a:endParaRPr lang="en-SG" sz="1050" dirty="0">
+              <a:solidFill>
+                <a:srgbClr val="7030A0"/>
+              </a:solidFill>
+            </a:endParaRPr>
+          </a:p>
+        </p:txBody>
+      </p:sp>
+      <p:cxnSp>
+        <p:nvCxnSpPr>
+          <p:cNvPr id="52" name="Straight Arrow Connector 51">
+            <a:extLst>
+              <a:ext uri="{FF2B5EF4-FFF2-40B4-BE49-F238E27FC236}">
+                <a16:creationId xmlns:a16="http://schemas.microsoft.com/office/drawing/2014/main" id="{4249C74B-53F9-4FA8-B8EA-B27B954250F2}"/>
+              </a:ext>
+            </a:extLst>
+          </p:cNvPr>
+          <p:cNvCxnSpPr>
+            <a:cxnSpLocks/>
+            <a:stCxn id="53" idx="3"/>
+            <a:endCxn id="50" idx="1"/>
+          </p:cNvCxnSpPr>
+          <p:nvPr/>
+        </p:nvCxnSpPr>
+        <p:spPr>
+          <a:xfrm>
+            <a:off x="2664074" y="3106664"/>
+            <a:ext cx="220810" cy="5284"/>
+          </a:xfrm>
+          <a:prstGeom prst="straightConnector1">
+            <a:avLst/>
+          </a:prstGeom>
+          <a:ln w="19050">
+            <a:solidFill>
+              <a:srgbClr val="7030A0"/>
+            </a:solidFill>
+            <a:headEnd type="none" w="med" len="med"/>
+            <a:tailEnd type="arrow" w="med" len="med"/>
+          </a:ln>
+          <a:effectLst/>
+        </p:spPr>
+        <p:style>
+          <a:lnRef idx="1">
+            <a:schemeClr val="accent2"/>
+          </a:lnRef>
+          <a:fillRef idx="2">
+            <a:schemeClr val="accent2"/>
+          </a:fillRef>
+          <a:effectRef idx="1">
+            <a:schemeClr val="accent2"/>
+          </a:effectRef>
+          <a:fontRef idx="minor">
+            <a:schemeClr val="dk1"/>
+          </a:fontRef>
+        </p:style>
+      </p:cxnSp>
+      <p:sp>
+        <p:nvSpPr>
+          <p:cNvPr id="53" name="Flowchart: Decision 96">
+            <a:extLst>
+              <a:ext uri="{FF2B5EF4-FFF2-40B4-BE49-F238E27FC236}">
+                <a16:creationId xmlns:a16="http://schemas.microsoft.com/office/drawing/2014/main" id="{C66999F5-06EF-4B5C-9E30-A900342697A8}"/>
+              </a:ext>
+            </a:extLst>
+          </p:cNvPr>
+          <p:cNvSpPr/>
+          <p:nvPr/>
+        </p:nvSpPr>
+        <p:spPr>
+          <a:xfrm>
+            <a:off x="2428026" y="3019974"/>
+            <a:ext cx="236048" cy="173380"/>
+          </a:xfrm>
+          <a:prstGeom prst="flowChartDecision">
+            <a:avLst/>
+          </a:prstGeom>
+          <a:noFill/>
+          <a:ln w="19050">
+            <a:solidFill>
+              <a:srgbClr val="7030A0"/>
+            </a:solidFill>
+          </a:ln>
+          <a:effectLst/>
+        </p:spPr>
+        <p:style>
+          <a:lnRef idx="1">
+            <a:schemeClr val="accent6"/>
+          </a:lnRef>
+          <a:fillRef idx="2">
+            <a:schemeClr val="accent6"/>
+          </a:fillRef>
+          <a:effectRef idx="1">
+            <a:schemeClr val="accent6"/>
+          </a:effectRef>
+          <a:fontRef idx="minor">
+            <a:schemeClr val="dk1"/>
+          </a:fontRef>
+        </p:style>
+        <p:txBody>
+          <a:bodyPr rtlCol="0" anchor="ctr"/>
+          <a:lstStyle/>
+          <a:p>
+            <a:pPr algn="ctr"/>
+            <a:endParaRPr lang="en-US" sz="1050"/>
+          </a:p>
+        </p:txBody>
+      </p:sp>
+      <p:sp>
+        <p:nvSpPr>
+          <p:cNvPr id="55" name="TextBox 54">
+            <a:extLst>
+              <a:ext uri="{FF2B5EF4-FFF2-40B4-BE49-F238E27FC236}">
+                <a16:creationId xmlns:a16="http://schemas.microsoft.com/office/drawing/2014/main" id="{DE030196-D087-471B-837A-1565460F982B}"/>
+              </a:ext>
+            </a:extLst>
+          </p:cNvPr>
           <p:cNvSpPr txBox="1"/>
           <p:nvPr/>
         </p:nvSpPr>
         <p:spPr>
           <a:xfrm>
-            <a:off x="2656370" y="3386050"/>
+            <a:off x="2693317" y="2875386"/>
             <a:ext cx="189257" cy="178683"/>
           </a:xfrm>
           <a:prstGeom prst="rect">
@@ -5355,36 +5623,59 @@
       </p:sp>
       <p:sp>
         <p:nvSpPr>
-          <p:cNvPr id="70" name="TextBox 69"/>
-          <p:cNvSpPr txBox="1"/>
+          <p:cNvPr id="56" name="Rectangle 8">
+            <a:extLst>
+              <a:ext uri="{FF2B5EF4-FFF2-40B4-BE49-F238E27FC236}">
+                <a16:creationId xmlns:a16="http://schemas.microsoft.com/office/drawing/2014/main" id="{1C0C4CA0-3A08-4690-8A17-A4085478239D}"/>
+              </a:ext>
+            </a:extLst>
+          </p:cNvPr>
+          <p:cNvSpPr/>
           <p:nvPr/>
         </p:nvSpPr>
         <p:spPr>
           <a:xfrm>
-            <a:off x="6440143" y="2948645"/>
-            <a:ext cx="189257" cy="178683"/>
+            <a:off x="7712396" y="1752599"/>
+            <a:ext cx="835739" cy="190377"/>
           </a:xfrm>
           <a:prstGeom prst="rect">
             <a:avLst/>
           </a:prstGeom>
-          <a:noFill/>
-        </p:spPr>
-        <p:txBody>
-          <a:bodyPr wrap="square" lIns="0" tIns="0" rIns="0" bIns="0" rtlCol="0">
-            <a:noAutofit/>
-          </a:bodyPr>
+          <a:ln w="19050">
+            <a:solidFill>
+              <a:srgbClr val="7030A0"/>
+            </a:solidFill>
+          </a:ln>
+          <a:effectLst/>
+        </p:spPr>
+        <p:style>
+          <a:lnRef idx="1">
+            <a:schemeClr val="accent4"/>
+          </a:lnRef>
+          <a:fillRef idx="2">
+            <a:schemeClr val="accent4"/>
+          </a:fillRef>
+          <a:effectRef idx="1">
+            <a:schemeClr val="accent4"/>
+          </a:effectRef>
+          <a:fontRef idx="minor">
+            <a:schemeClr val="dk1"/>
+          </a:fontRef>
+        </p:style>
+        <p:txBody>
+          <a:bodyPr rtlCol="0" anchor="ctr"/>
           <a:lstStyle/>
           <a:p>
             <a:pPr algn="ctr"/>
             <a:r>
-              <a:rPr lang="en-US" sz="1100" dirty="0">
+              <a:rPr lang="en-US" sz="1050" dirty="0" err="1">
                 <a:solidFill>
                   <a:srgbClr val="7030A0"/>
                 </a:solidFill>
               </a:rPr>
-              <a:t>1</a:t>
-            </a:r>
-            <a:endParaRPr lang="en-SG" sz="1100" dirty="0">
+              <a:t>Gid</a:t>
+            </a:r>
+            <a:endParaRPr lang="en-SG" sz="1050" dirty="0">
               <a:solidFill>
                 <a:srgbClr val="7030A0"/>
               </a:solidFill>
@@ -5392,6 +5683,1051 @@
           </a:p>
         </p:txBody>
       </p:sp>
+      <p:sp>
+        <p:nvSpPr>
+          <p:cNvPr id="57" name="Rectangle 8">
+            <a:extLst>
+              <a:ext uri="{FF2B5EF4-FFF2-40B4-BE49-F238E27FC236}">
+                <a16:creationId xmlns:a16="http://schemas.microsoft.com/office/drawing/2014/main" id="{EE16610F-9EA9-4EBE-9BA4-16832D311001}"/>
+              </a:ext>
+            </a:extLst>
+          </p:cNvPr>
+          <p:cNvSpPr/>
+          <p:nvPr/>
+        </p:nvSpPr>
+        <p:spPr>
+          <a:xfrm>
+            <a:off x="7712396" y="1984432"/>
+            <a:ext cx="835739" cy="191319"/>
+          </a:xfrm>
+          <a:prstGeom prst="rect">
+            <a:avLst/>
+          </a:prstGeom>
+          <a:ln w="19050">
+            <a:solidFill>
+              <a:srgbClr val="7030A0"/>
+            </a:solidFill>
+          </a:ln>
+          <a:effectLst/>
+        </p:spPr>
+        <p:style>
+          <a:lnRef idx="1">
+            <a:schemeClr val="accent4"/>
+          </a:lnRef>
+          <a:fillRef idx="2">
+            <a:schemeClr val="accent4"/>
+          </a:fillRef>
+          <a:effectRef idx="1">
+            <a:schemeClr val="accent4"/>
+          </a:effectRef>
+          <a:fontRef idx="minor">
+            <a:schemeClr val="dk1"/>
+          </a:fontRef>
+        </p:style>
+        <p:txBody>
+          <a:bodyPr rtlCol="0" anchor="ctr"/>
+          <a:lstStyle/>
+          <a:p>
+            <a:pPr algn="ctr"/>
+            <a:r>
+              <a:rPr lang="en-US" sz="1050" dirty="0" err="1">
+                <a:solidFill>
+                  <a:srgbClr val="7030A0"/>
+                </a:solidFill>
+              </a:rPr>
+              <a:t>Isbn</a:t>
+            </a:r>
+            <a:endParaRPr lang="en-SG" sz="1050" dirty="0">
+              <a:solidFill>
+                <a:srgbClr val="7030A0"/>
+              </a:solidFill>
+            </a:endParaRPr>
+          </a:p>
+        </p:txBody>
+      </p:sp>
+      <p:sp>
+        <p:nvSpPr>
+          <p:cNvPr id="59" name="Rectangle 8">
+            <a:extLst>
+              <a:ext uri="{FF2B5EF4-FFF2-40B4-BE49-F238E27FC236}">
+                <a16:creationId xmlns:a16="http://schemas.microsoft.com/office/drawing/2014/main" id="{7441B4C8-71C1-4C94-ACC0-65F3F1A5F396}"/>
+              </a:ext>
+            </a:extLst>
+          </p:cNvPr>
+          <p:cNvSpPr/>
+          <p:nvPr/>
+        </p:nvSpPr>
+        <p:spPr>
+          <a:xfrm>
+            <a:off x="7712396" y="3124200"/>
+            <a:ext cx="835739" cy="190393"/>
+          </a:xfrm>
+          <a:prstGeom prst="rect">
+            <a:avLst/>
+          </a:prstGeom>
+          <a:ln w="19050">
+            <a:solidFill>
+              <a:srgbClr val="7030A0"/>
+            </a:solidFill>
+          </a:ln>
+          <a:effectLst/>
+        </p:spPr>
+        <p:style>
+          <a:lnRef idx="1">
+            <a:schemeClr val="accent4"/>
+          </a:lnRef>
+          <a:fillRef idx="2">
+            <a:schemeClr val="accent4"/>
+          </a:fillRef>
+          <a:effectRef idx="1">
+            <a:schemeClr val="accent4"/>
+          </a:effectRef>
+          <a:fontRef idx="minor">
+            <a:schemeClr val="dk1"/>
+          </a:fontRef>
+        </p:style>
+        <p:txBody>
+          <a:bodyPr rtlCol="0" anchor="ctr"/>
+          <a:lstStyle/>
+          <a:p>
+            <a:pPr algn="ctr"/>
+            <a:r>
+              <a:rPr lang="en-US" sz="1050" dirty="0">
+                <a:solidFill>
+                  <a:srgbClr val="7030A0"/>
+                </a:solidFill>
+              </a:rPr>
+              <a:t>Priority</a:t>
+            </a:r>
+            <a:endParaRPr lang="en-SG" sz="1050" dirty="0">
+              <a:solidFill>
+                <a:srgbClr val="7030A0"/>
+              </a:solidFill>
+            </a:endParaRPr>
+          </a:p>
+        </p:txBody>
+      </p:sp>
+      <p:sp>
+        <p:nvSpPr>
+          <p:cNvPr id="67" name="Rectangle 8">
+            <a:extLst>
+              <a:ext uri="{FF2B5EF4-FFF2-40B4-BE49-F238E27FC236}">
+                <a16:creationId xmlns:a16="http://schemas.microsoft.com/office/drawing/2014/main" id="{B308A460-F908-420E-9C0B-3846E685E0DE}"/>
+              </a:ext>
+            </a:extLst>
+          </p:cNvPr>
+          <p:cNvSpPr/>
+          <p:nvPr/>
+        </p:nvSpPr>
+        <p:spPr>
+          <a:xfrm>
+            <a:off x="7454502" y="3352800"/>
+            <a:ext cx="1093634" cy="190377"/>
+          </a:xfrm>
+          <a:prstGeom prst="rect">
+            <a:avLst/>
+          </a:prstGeom>
+          <a:ln w="19050">
+            <a:solidFill>
+              <a:srgbClr val="7030A0"/>
+            </a:solidFill>
+          </a:ln>
+          <a:effectLst/>
+        </p:spPr>
+        <p:style>
+          <a:lnRef idx="1">
+            <a:schemeClr val="accent4"/>
+          </a:lnRef>
+          <a:fillRef idx="2">
+            <a:schemeClr val="accent4"/>
+          </a:fillRef>
+          <a:effectRef idx="1">
+            <a:schemeClr val="accent4"/>
+          </a:effectRef>
+          <a:fontRef idx="minor">
+            <a:schemeClr val="dk1"/>
+          </a:fontRef>
+        </p:style>
+        <p:txBody>
+          <a:bodyPr rtlCol="0" anchor="ctr"/>
+          <a:lstStyle/>
+          <a:p>
+            <a:pPr algn="ctr"/>
+            <a:r>
+              <a:rPr lang="en-US" sz="1050" dirty="0" err="1">
+                <a:solidFill>
+                  <a:srgbClr val="7030A0"/>
+                </a:solidFill>
+              </a:rPr>
+              <a:t>PublicationDate</a:t>
+            </a:r>
+            <a:endParaRPr lang="en-SG" sz="1050" dirty="0">
+              <a:solidFill>
+                <a:srgbClr val="7030A0"/>
+              </a:solidFill>
+            </a:endParaRPr>
+          </a:p>
+        </p:txBody>
+      </p:sp>
+      <p:sp>
+        <p:nvSpPr>
+          <p:cNvPr id="68" name="Rectangle 8">
+            <a:extLst>
+              <a:ext uri="{FF2B5EF4-FFF2-40B4-BE49-F238E27FC236}">
+                <a16:creationId xmlns:a16="http://schemas.microsoft.com/office/drawing/2014/main" id="{26B79E3E-B928-4CF7-B4B1-3056A5BF7320}"/>
+              </a:ext>
+            </a:extLst>
+          </p:cNvPr>
+          <p:cNvSpPr/>
+          <p:nvPr/>
+        </p:nvSpPr>
+        <p:spPr>
+          <a:xfrm>
+            <a:off x="7712396" y="3581400"/>
+            <a:ext cx="835739" cy="187516"/>
+          </a:xfrm>
+          <a:prstGeom prst="rect">
+            <a:avLst/>
+          </a:prstGeom>
+          <a:ln w="19050">
+            <a:solidFill>
+              <a:srgbClr val="7030A0"/>
+            </a:solidFill>
+          </a:ln>
+          <a:effectLst/>
+        </p:spPr>
+        <p:style>
+          <a:lnRef idx="1">
+            <a:schemeClr val="accent4"/>
+          </a:lnRef>
+          <a:fillRef idx="2">
+            <a:schemeClr val="accent4"/>
+          </a:fillRef>
+          <a:effectRef idx="1">
+            <a:schemeClr val="accent4"/>
+          </a:effectRef>
+          <a:fontRef idx="minor">
+            <a:schemeClr val="dk1"/>
+          </a:fontRef>
+        </p:style>
+        <p:txBody>
+          <a:bodyPr rtlCol="0" anchor="ctr"/>
+          <a:lstStyle/>
+          <a:p>
+            <a:pPr algn="ctr"/>
+            <a:r>
+              <a:rPr lang="en-US" sz="1050" dirty="0">
+                <a:solidFill>
+                  <a:srgbClr val="7030A0"/>
+                </a:solidFill>
+              </a:rPr>
+              <a:t>Publisher</a:t>
+            </a:r>
+            <a:endParaRPr lang="en-SG" sz="1050" dirty="0">
+              <a:solidFill>
+                <a:srgbClr val="7030A0"/>
+              </a:solidFill>
+            </a:endParaRPr>
+          </a:p>
+        </p:txBody>
+      </p:sp>
+      <p:sp>
+        <p:nvSpPr>
+          <p:cNvPr id="69" name="Rectangle 8">
+            <a:extLst>
+              <a:ext uri="{FF2B5EF4-FFF2-40B4-BE49-F238E27FC236}">
+                <a16:creationId xmlns:a16="http://schemas.microsoft.com/office/drawing/2014/main" id="{1F16CC81-E93C-484A-A4B4-043043626A4E}"/>
+              </a:ext>
+            </a:extLst>
+          </p:cNvPr>
+          <p:cNvSpPr/>
+          <p:nvPr/>
+        </p:nvSpPr>
+        <p:spPr>
+          <a:xfrm>
+            <a:off x="7713108" y="3805842"/>
+            <a:ext cx="835739" cy="187516"/>
+          </a:xfrm>
+          <a:prstGeom prst="rect">
+            <a:avLst/>
+          </a:prstGeom>
+          <a:ln w="19050">
+            <a:solidFill>
+              <a:srgbClr val="7030A0"/>
+            </a:solidFill>
+          </a:ln>
+          <a:effectLst/>
+        </p:spPr>
+        <p:style>
+          <a:lnRef idx="1">
+            <a:schemeClr val="accent4"/>
+          </a:lnRef>
+          <a:fillRef idx="2">
+            <a:schemeClr val="accent4"/>
+          </a:fillRef>
+          <a:effectRef idx="1">
+            <a:schemeClr val="accent4"/>
+          </a:effectRef>
+          <a:fontRef idx="minor">
+            <a:schemeClr val="dk1"/>
+          </a:fontRef>
+        </p:style>
+        <p:txBody>
+          <a:bodyPr rtlCol="0" anchor="ctr"/>
+          <a:lstStyle/>
+          <a:p>
+            <a:pPr algn="ctr"/>
+            <a:r>
+              <a:rPr lang="en-US" sz="1050" dirty="0">
+                <a:solidFill>
+                  <a:srgbClr val="7030A0"/>
+                </a:solidFill>
+              </a:rPr>
+              <a:t>Rating</a:t>
+            </a:r>
+            <a:endParaRPr lang="en-SG" sz="1050" dirty="0">
+              <a:solidFill>
+                <a:srgbClr val="7030A0"/>
+              </a:solidFill>
+            </a:endParaRPr>
+          </a:p>
+        </p:txBody>
+      </p:sp>
+      <p:sp>
+        <p:nvSpPr>
+          <p:cNvPr id="71" name="Rectangle 8">
+            <a:extLst>
+              <a:ext uri="{FF2B5EF4-FFF2-40B4-BE49-F238E27FC236}">
+                <a16:creationId xmlns:a16="http://schemas.microsoft.com/office/drawing/2014/main" id="{EDA300C9-275A-423D-B178-7CF4F3B03C4D}"/>
+              </a:ext>
+            </a:extLst>
+          </p:cNvPr>
+          <p:cNvSpPr/>
+          <p:nvPr/>
+        </p:nvSpPr>
+        <p:spPr>
+          <a:xfrm>
+            <a:off x="7712396" y="4030284"/>
+            <a:ext cx="835739" cy="187516"/>
+          </a:xfrm>
+          <a:prstGeom prst="rect">
+            <a:avLst/>
+          </a:prstGeom>
+          <a:ln w="19050">
+            <a:solidFill>
+              <a:srgbClr val="7030A0"/>
+            </a:solidFill>
+          </a:ln>
+          <a:effectLst/>
+        </p:spPr>
+        <p:style>
+          <a:lnRef idx="1">
+            <a:schemeClr val="accent4"/>
+          </a:lnRef>
+          <a:fillRef idx="2">
+            <a:schemeClr val="accent4"/>
+          </a:fillRef>
+          <a:effectRef idx="1">
+            <a:schemeClr val="accent4"/>
+          </a:effectRef>
+          <a:fontRef idx="minor">
+            <a:schemeClr val="dk1"/>
+          </a:fontRef>
+        </p:style>
+        <p:txBody>
+          <a:bodyPr rtlCol="0" anchor="ctr"/>
+          <a:lstStyle/>
+          <a:p>
+            <a:pPr algn="ctr"/>
+            <a:r>
+              <a:rPr lang="en-US" sz="1050" dirty="0">
+                <a:solidFill>
+                  <a:srgbClr val="7030A0"/>
+                </a:solidFill>
+              </a:rPr>
+              <a:t>Status</a:t>
+            </a:r>
+            <a:endParaRPr lang="en-SG" sz="1050" dirty="0">
+              <a:solidFill>
+                <a:srgbClr val="7030A0"/>
+              </a:solidFill>
+            </a:endParaRPr>
+          </a:p>
+        </p:txBody>
+      </p:sp>
+      <p:cxnSp>
+        <p:nvCxnSpPr>
+          <p:cNvPr id="72" name="Elbow Connector 85">
+            <a:extLst>
+              <a:ext uri="{FF2B5EF4-FFF2-40B4-BE49-F238E27FC236}">
+                <a16:creationId xmlns:a16="http://schemas.microsoft.com/office/drawing/2014/main" id="{10F15E0E-C66C-45B3-8340-A2EAC420D597}"/>
+              </a:ext>
+            </a:extLst>
+          </p:cNvPr>
+          <p:cNvCxnSpPr>
+            <a:cxnSpLocks/>
+            <a:stCxn id="78" idx="3"/>
+            <a:endCxn id="59" idx="1"/>
+          </p:cNvCxnSpPr>
+          <p:nvPr/>
+        </p:nvCxnSpPr>
+        <p:spPr>
+          <a:xfrm>
+            <a:off x="7277995" y="2797337"/>
+            <a:ext cx="434401" cy="422060"/>
+          </a:xfrm>
+          <a:prstGeom prst="bentConnector3">
+            <a:avLst/>
+          </a:prstGeom>
+          <a:ln w="19050">
+            <a:solidFill>
+              <a:srgbClr val="7030A0"/>
+            </a:solidFill>
+            <a:headEnd type="none" w="med" len="med"/>
+            <a:tailEnd type="arrow" w="med" len="med"/>
+          </a:ln>
+          <a:effectLst/>
+        </p:spPr>
+        <p:style>
+          <a:lnRef idx="1">
+            <a:schemeClr val="accent2"/>
+          </a:lnRef>
+          <a:fillRef idx="2">
+            <a:schemeClr val="accent2"/>
+          </a:fillRef>
+          <a:effectRef idx="1">
+            <a:schemeClr val="accent2"/>
+          </a:effectRef>
+          <a:fontRef idx="minor">
+            <a:schemeClr val="dk1"/>
+          </a:fontRef>
+        </p:style>
+      </p:cxnSp>
+      <p:cxnSp>
+        <p:nvCxnSpPr>
+          <p:cNvPr id="73" name="Elbow Connector 85">
+            <a:extLst>
+              <a:ext uri="{FF2B5EF4-FFF2-40B4-BE49-F238E27FC236}">
+                <a16:creationId xmlns:a16="http://schemas.microsoft.com/office/drawing/2014/main" id="{E1935081-3CEF-4722-8532-B1D56C71F457}"/>
+              </a:ext>
+            </a:extLst>
+          </p:cNvPr>
+          <p:cNvCxnSpPr>
+            <a:cxnSpLocks/>
+            <a:endCxn id="67" idx="1"/>
+          </p:cNvCxnSpPr>
+          <p:nvPr/>
+        </p:nvCxnSpPr>
+        <p:spPr>
+          <a:xfrm rot="16200000" flipH="1">
+            <a:off x="7048963" y="3042450"/>
+            <a:ext cx="650652" cy="160426"/>
+          </a:xfrm>
+          <a:prstGeom prst="bentConnector2">
+            <a:avLst/>
+          </a:prstGeom>
+          <a:ln w="19050">
+            <a:solidFill>
+              <a:srgbClr val="7030A0"/>
+            </a:solidFill>
+            <a:headEnd type="none" w="med" len="med"/>
+            <a:tailEnd type="arrow" w="med" len="med"/>
+          </a:ln>
+          <a:effectLst/>
+        </p:spPr>
+        <p:style>
+          <a:lnRef idx="1">
+            <a:schemeClr val="accent2"/>
+          </a:lnRef>
+          <a:fillRef idx="2">
+            <a:schemeClr val="accent2"/>
+          </a:fillRef>
+          <a:effectRef idx="1">
+            <a:schemeClr val="accent2"/>
+          </a:effectRef>
+          <a:fontRef idx="minor">
+            <a:schemeClr val="dk1"/>
+          </a:fontRef>
+        </p:style>
+      </p:cxnSp>
+      <p:cxnSp>
+        <p:nvCxnSpPr>
+          <p:cNvPr id="74" name="Elbow Connector 85">
+            <a:extLst>
+              <a:ext uri="{FF2B5EF4-FFF2-40B4-BE49-F238E27FC236}">
+                <a16:creationId xmlns:a16="http://schemas.microsoft.com/office/drawing/2014/main" id="{D83C5B89-10DF-4861-B85D-EC00B6E83C05}"/>
+              </a:ext>
+            </a:extLst>
+          </p:cNvPr>
+          <p:cNvCxnSpPr>
+            <a:cxnSpLocks/>
+            <a:stCxn id="78" idx="3"/>
+            <a:endCxn id="68" idx="1"/>
+          </p:cNvCxnSpPr>
+          <p:nvPr/>
+        </p:nvCxnSpPr>
+        <p:spPr>
+          <a:xfrm>
+            <a:off x="7277995" y="2797337"/>
+            <a:ext cx="434401" cy="877821"/>
+          </a:xfrm>
+          <a:prstGeom prst="bentConnector3">
+            <a:avLst>
+              <a:gd name="adj1" fmla="val 2388"/>
+            </a:avLst>
+          </a:prstGeom>
+          <a:ln w="19050">
+            <a:solidFill>
+              <a:srgbClr val="7030A0"/>
+            </a:solidFill>
+            <a:headEnd type="none" w="med" len="med"/>
+            <a:tailEnd type="arrow" w="med" len="med"/>
+          </a:ln>
+          <a:effectLst/>
+        </p:spPr>
+        <p:style>
+          <a:lnRef idx="1">
+            <a:schemeClr val="accent2"/>
+          </a:lnRef>
+          <a:fillRef idx="2">
+            <a:schemeClr val="accent2"/>
+          </a:fillRef>
+          <a:effectRef idx="1">
+            <a:schemeClr val="accent2"/>
+          </a:effectRef>
+          <a:fontRef idx="minor">
+            <a:schemeClr val="dk1"/>
+          </a:fontRef>
+        </p:style>
+      </p:cxnSp>
+      <p:cxnSp>
+        <p:nvCxnSpPr>
+          <p:cNvPr id="77" name="Elbow Connector 85">
+            <a:extLst>
+              <a:ext uri="{FF2B5EF4-FFF2-40B4-BE49-F238E27FC236}">
+                <a16:creationId xmlns:a16="http://schemas.microsoft.com/office/drawing/2014/main" id="{0A8E2584-3EEF-4986-BB30-EC0760B47213}"/>
+              </a:ext>
+            </a:extLst>
+          </p:cNvPr>
+          <p:cNvCxnSpPr>
+            <a:cxnSpLocks/>
+            <a:stCxn id="78" idx="3"/>
+            <a:endCxn id="69" idx="1"/>
+          </p:cNvCxnSpPr>
+          <p:nvPr/>
+        </p:nvCxnSpPr>
+        <p:spPr>
+          <a:xfrm>
+            <a:off x="7277995" y="2797337"/>
+            <a:ext cx="435113" cy="1102263"/>
+          </a:xfrm>
+          <a:prstGeom prst="bentConnector3">
+            <a:avLst>
+              <a:gd name="adj1" fmla="val 2466"/>
+            </a:avLst>
+          </a:prstGeom>
+          <a:ln w="19050">
+            <a:solidFill>
+              <a:srgbClr val="7030A0"/>
+            </a:solidFill>
+            <a:headEnd type="none" w="med" len="med"/>
+            <a:tailEnd type="arrow" w="med" len="med"/>
+          </a:ln>
+          <a:effectLst/>
+        </p:spPr>
+        <p:style>
+          <a:lnRef idx="1">
+            <a:schemeClr val="accent2"/>
+          </a:lnRef>
+          <a:fillRef idx="2">
+            <a:schemeClr val="accent2"/>
+          </a:fillRef>
+          <a:effectRef idx="1">
+            <a:schemeClr val="accent2"/>
+          </a:effectRef>
+          <a:fontRef idx="minor">
+            <a:schemeClr val="dk1"/>
+          </a:fontRef>
+        </p:style>
+      </p:cxnSp>
+      <p:cxnSp>
+        <p:nvCxnSpPr>
+          <p:cNvPr id="82" name="Elbow Connector 85">
+            <a:extLst>
+              <a:ext uri="{FF2B5EF4-FFF2-40B4-BE49-F238E27FC236}">
+                <a16:creationId xmlns:a16="http://schemas.microsoft.com/office/drawing/2014/main" id="{7BF7F6DC-9DC9-4F14-B8B9-FA10CD9BF791}"/>
+              </a:ext>
+            </a:extLst>
+          </p:cNvPr>
+          <p:cNvCxnSpPr>
+            <a:cxnSpLocks/>
+            <a:stCxn id="78" idx="3"/>
+            <a:endCxn id="71" idx="1"/>
+          </p:cNvCxnSpPr>
+          <p:nvPr/>
+        </p:nvCxnSpPr>
+        <p:spPr>
+          <a:xfrm>
+            <a:off x="7277995" y="2797337"/>
+            <a:ext cx="434401" cy="1326705"/>
+          </a:xfrm>
+          <a:prstGeom prst="bentConnector3">
+            <a:avLst>
+              <a:gd name="adj1" fmla="val 2388"/>
+            </a:avLst>
+          </a:prstGeom>
+          <a:ln w="19050">
+            <a:solidFill>
+              <a:srgbClr val="7030A0"/>
+            </a:solidFill>
+            <a:headEnd type="none" w="med" len="med"/>
+            <a:tailEnd type="arrow" w="med" len="med"/>
+          </a:ln>
+          <a:effectLst/>
+        </p:spPr>
+        <p:style>
+          <a:lnRef idx="1">
+            <a:schemeClr val="accent2"/>
+          </a:lnRef>
+          <a:fillRef idx="2">
+            <a:schemeClr val="accent2"/>
+          </a:fillRef>
+          <a:effectRef idx="1">
+            <a:schemeClr val="accent2"/>
+          </a:effectRef>
+          <a:fontRef idx="minor">
+            <a:schemeClr val="dk1"/>
+          </a:fontRef>
+        </p:style>
+      </p:cxnSp>
+      <p:sp>
+        <p:nvSpPr>
+          <p:cNvPr id="87" name="Flowchart: Decision 96">
+            <a:extLst>
+              <a:ext uri="{FF2B5EF4-FFF2-40B4-BE49-F238E27FC236}">
+                <a16:creationId xmlns:a16="http://schemas.microsoft.com/office/drawing/2014/main" id="{4DF5F524-3DDC-443C-8CAF-6EA2A77557A1}"/>
+              </a:ext>
+            </a:extLst>
+          </p:cNvPr>
+          <p:cNvSpPr/>
+          <p:nvPr/>
+        </p:nvSpPr>
+        <p:spPr>
+          <a:xfrm>
+            <a:off x="4188682" y="3040706"/>
+            <a:ext cx="236048" cy="173380"/>
+          </a:xfrm>
+          <a:prstGeom prst="flowChartDecision">
+            <a:avLst/>
+          </a:prstGeom>
+          <a:noFill/>
+          <a:ln w="19050">
+            <a:solidFill>
+              <a:srgbClr val="7030A0"/>
+            </a:solidFill>
+          </a:ln>
+          <a:effectLst/>
+        </p:spPr>
+        <p:style>
+          <a:lnRef idx="1">
+            <a:schemeClr val="accent6"/>
+          </a:lnRef>
+          <a:fillRef idx="2">
+            <a:schemeClr val="accent6"/>
+          </a:fillRef>
+          <a:effectRef idx="1">
+            <a:schemeClr val="accent6"/>
+          </a:effectRef>
+          <a:fontRef idx="minor">
+            <a:schemeClr val="dk1"/>
+          </a:fontRef>
+        </p:style>
+        <p:txBody>
+          <a:bodyPr rtlCol="0" anchor="ctr"/>
+          <a:lstStyle/>
+          <a:p>
+            <a:pPr algn="ctr"/>
+            <a:endParaRPr lang="en-US" sz="1050"/>
+          </a:p>
+        </p:txBody>
+      </p:sp>
+      <p:cxnSp>
+        <p:nvCxnSpPr>
+          <p:cNvPr id="88" name="Elbow Connector 63">
+            <a:extLst>
+              <a:ext uri="{FF2B5EF4-FFF2-40B4-BE49-F238E27FC236}">
+                <a16:creationId xmlns:a16="http://schemas.microsoft.com/office/drawing/2014/main" id="{B1DFDDC6-47AE-4342-83E1-BEBB7D1AE306}"/>
+              </a:ext>
+            </a:extLst>
+          </p:cNvPr>
+          <p:cNvCxnSpPr>
+            <a:cxnSpLocks/>
+            <a:stCxn id="87" idx="3"/>
+            <a:endCxn id="62" idx="1"/>
+          </p:cNvCxnSpPr>
+          <p:nvPr/>
+        </p:nvCxnSpPr>
+        <p:spPr>
+          <a:xfrm flipV="1">
+            <a:off x="4424730" y="2764180"/>
+            <a:ext cx="1888947" cy="363216"/>
+          </a:xfrm>
+          <a:prstGeom prst="bentConnector3">
+            <a:avLst>
+              <a:gd name="adj1" fmla="val 84289"/>
+            </a:avLst>
+          </a:prstGeom>
+          <a:ln w="19050">
+            <a:solidFill>
+              <a:srgbClr val="7030A0"/>
+            </a:solidFill>
+            <a:headEnd type="none" w="med" len="med"/>
+            <a:tailEnd type="arrow" w="med" len="med"/>
+          </a:ln>
+          <a:effectLst/>
+        </p:spPr>
+        <p:style>
+          <a:lnRef idx="1">
+            <a:schemeClr val="accent2"/>
+          </a:lnRef>
+          <a:fillRef idx="2">
+            <a:schemeClr val="accent2"/>
+          </a:fillRef>
+          <a:effectRef idx="1">
+            <a:schemeClr val="accent2"/>
+          </a:effectRef>
+          <a:fontRef idx="minor">
+            <a:schemeClr val="dk1"/>
+          </a:fontRef>
+        </p:style>
+      </p:cxnSp>
+      <p:cxnSp>
+        <p:nvCxnSpPr>
+          <p:cNvPr id="90" name="Elbow Connector 78">
+            <a:extLst>
+              <a:ext uri="{FF2B5EF4-FFF2-40B4-BE49-F238E27FC236}">
+                <a16:creationId xmlns:a16="http://schemas.microsoft.com/office/drawing/2014/main" id="{FC12DD7F-751F-4DF1-88A6-C90E6B8D426A}"/>
+              </a:ext>
+            </a:extLst>
+          </p:cNvPr>
+          <p:cNvCxnSpPr>
+            <a:cxnSpLocks/>
+            <a:stCxn id="78" idx="3"/>
+            <a:endCxn id="57" idx="1"/>
+          </p:cNvCxnSpPr>
+          <p:nvPr/>
+        </p:nvCxnSpPr>
+        <p:spPr>
+          <a:xfrm flipV="1">
+            <a:off x="7277995" y="2080092"/>
+            <a:ext cx="434401" cy="717245"/>
+          </a:xfrm>
+          <a:prstGeom prst="bentConnector3">
+            <a:avLst/>
+          </a:prstGeom>
+          <a:ln w="19050">
+            <a:solidFill>
+              <a:srgbClr val="7030A0"/>
+            </a:solidFill>
+            <a:headEnd type="none" w="med" len="med"/>
+            <a:tailEnd type="arrow" w="med" len="med"/>
+          </a:ln>
+          <a:effectLst/>
+        </p:spPr>
+        <p:style>
+          <a:lnRef idx="1">
+            <a:schemeClr val="accent2"/>
+          </a:lnRef>
+          <a:fillRef idx="2">
+            <a:schemeClr val="accent2"/>
+          </a:fillRef>
+          <a:effectRef idx="1">
+            <a:schemeClr val="accent2"/>
+          </a:effectRef>
+          <a:fontRef idx="minor">
+            <a:schemeClr val="dk1"/>
+          </a:fontRef>
+        </p:style>
+      </p:cxnSp>
+      <p:cxnSp>
+        <p:nvCxnSpPr>
+          <p:cNvPr id="91" name="Elbow Connector 78">
+            <a:extLst>
+              <a:ext uri="{FF2B5EF4-FFF2-40B4-BE49-F238E27FC236}">
+                <a16:creationId xmlns:a16="http://schemas.microsoft.com/office/drawing/2014/main" id="{2FDE3D90-1761-4151-AC49-A1812B5A2B4E}"/>
+              </a:ext>
+            </a:extLst>
+          </p:cNvPr>
+          <p:cNvCxnSpPr>
+            <a:cxnSpLocks/>
+            <a:stCxn id="78" idx="3"/>
+            <a:endCxn id="56" idx="1"/>
+          </p:cNvCxnSpPr>
+          <p:nvPr/>
+        </p:nvCxnSpPr>
+        <p:spPr>
+          <a:xfrm flipV="1">
+            <a:off x="7277995" y="1847788"/>
+            <a:ext cx="434401" cy="949549"/>
+          </a:xfrm>
+          <a:prstGeom prst="bentConnector3">
+            <a:avLst>
+              <a:gd name="adj1" fmla="val 50000"/>
+            </a:avLst>
+          </a:prstGeom>
+          <a:ln w="19050">
+            <a:solidFill>
+              <a:srgbClr val="7030A0"/>
+            </a:solidFill>
+            <a:headEnd type="none" w="med" len="med"/>
+            <a:tailEnd type="arrow" w="med" len="med"/>
+          </a:ln>
+          <a:effectLst/>
+        </p:spPr>
+        <p:style>
+          <a:lnRef idx="1">
+            <a:schemeClr val="accent2"/>
+          </a:lnRef>
+          <a:fillRef idx="2">
+            <a:schemeClr val="accent2"/>
+          </a:fillRef>
+          <a:effectRef idx="1">
+            <a:schemeClr val="accent2"/>
+          </a:effectRef>
+          <a:fontRef idx="minor">
+            <a:schemeClr val="dk1"/>
+          </a:fontRef>
+        </p:style>
+      </p:cxnSp>
+      <p:grpSp>
+        <p:nvGrpSpPr>
+          <p:cNvPr id="98" name="Group 97">
+            <a:extLst>
+              <a:ext uri="{FF2B5EF4-FFF2-40B4-BE49-F238E27FC236}">
+                <a16:creationId xmlns:a16="http://schemas.microsoft.com/office/drawing/2014/main" id="{445EAA0D-CD41-4DA2-AB53-5FE038FCFC83}"/>
+              </a:ext>
+            </a:extLst>
+          </p:cNvPr>
+          <p:cNvGrpSpPr/>
+          <p:nvPr/>
+        </p:nvGrpSpPr>
+        <p:grpSpPr>
+          <a:xfrm>
+            <a:off x="2414436" y="3759969"/>
+            <a:ext cx="1550493" cy="406293"/>
+            <a:chOff x="2420322" y="3200400"/>
+            <a:chExt cx="1550493" cy="406293"/>
+          </a:xfrm>
+        </p:grpSpPr>
+        <p:sp>
+          <p:nvSpPr>
+            <p:cNvPr id="101" name="Rectangle 8">
+              <a:extLst>
+                <a:ext uri="{FF2B5EF4-FFF2-40B4-BE49-F238E27FC236}">
+                  <a16:creationId xmlns:a16="http://schemas.microsoft.com/office/drawing/2014/main" id="{195EFC19-D35A-47BF-990D-22A4DF2F4ECD}"/>
+                </a:ext>
+              </a:extLst>
+            </p:cNvPr>
+            <p:cNvSpPr/>
+            <p:nvPr/>
+          </p:nvSpPr>
+          <p:spPr>
+            <a:xfrm>
+              <a:off x="2877180" y="3200400"/>
+              <a:ext cx="1093635" cy="346760"/>
+            </a:xfrm>
+            <a:prstGeom prst="rect">
+              <a:avLst/>
+            </a:prstGeom>
+            <a:solidFill>
+              <a:srgbClr val="7030A0"/>
+            </a:solidFill>
+            <a:ln w="19050">
+              <a:solidFill>
+                <a:srgbClr val="7030A0"/>
+              </a:solidFill>
+            </a:ln>
+            <a:effectLst/>
+          </p:spPr>
+          <p:style>
+            <a:lnRef idx="1">
+              <a:schemeClr val="accent2"/>
+            </a:lnRef>
+            <a:fillRef idx="2">
+              <a:schemeClr val="accent2"/>
+            </a:fillRef>
+            <a:effectRef idx="1">
+              <a:schemeClr val="accent2"/>
+            </a:effectRef>
+            <a:fontRef idx="minor">
+              <a:schemeClr val="dk1"/>
+            </a:fontRef>
+          </p:style>
+          <p:txBody>
+            <a:bodyPr rtlCol="0" anchor="ctr"/>
+            <a:lstStyle/>
+            <a:p>
+              <a:pPr algn="ctr"/>
+              <a:r>
+                <a:rPr lang="en-US" sz="1050" dirty="0" err="1">
+                  <a:solidFill>
+                    <a:schemeClr val="bg1"/>
+                  </a:solidFill>
+                </a:rPr>
+                <a:t>ActiveListType</a:t>
+              </a:r>
+              <a:endParaRPr lang="en-SG" sz="1050" dirty="0">
+                <a:solidFill>
+                  <a:schemeClr val="bg1"/>
+                </a:solidFill>
+              </a:endParaRPr>
+            </a:p>
+          </p:txBody>
+        </p:sp>
+        <p:cxnSp>
+          <p:nvCxnSpPr>
+            <p:cNvPr id="102" name="Straight Arrow Connector 101">
+              <a:extLst>
+                <a:ext uri="{FF2B5EF4-FFF2-40B4-BE49-F238E27FC236}">
+                  <a16:creationId xmlns:a16="http://schemas.microsoft.com/office/drawing/2014/main" id="{222B6295-1142-4168-93D9-BB02516D12B6}"/>
+                </a:ext>
+              </a:extLst>
+            </p:cNvPr>
+            <p:cNvCxnSpPr>
+              <a:stCxn id="103" idx="3"/>
+              <a:endCxn id="101" idx="1"/>
+            </p:cNvCxnSpPr>
+            <p:nvPr/>
+          </p:nvCxnSpPr>
+          <p:spPr>
+            <a:xfrm>
+              <a:off x="2656370" y="3368496"/>
+              <a:ext cx="220810" cy="5284"/>
+            </a:xfrm>
+            <a:prstGeom prst="straightConnector1">
+              <a:avLst/>
+            </a:prstGeom>
+            <a:ln w="19050">
+              <a:solidFill>
+                <a:srgbClr val="7030A0"/>
+              </a:solidFill>
+              <a:headEnd type="none" w="med" len="med"/>
+              <a:tailEnd type="arrow" w="med" len="med"/>
+            </a:ln>
+            <a:effectLst/>
+          </p:spPr>
+          <p:style>
+            <a:lnRef idx="1">
+              <a:schemeClr val="accent2"/>
+            </a:lnRef>
+            <a:fillRef idx="2">
+              <a:schemeClr val="accent2"/>
+            </a:fillRef>
+            <a:effectRef idx="1">
+              <a:schemeClr val="accent2"/>
+            </a:effectRef>
+            <a:fontRef idx="minor">
+              <a:schemeClr val="dk1"/>
+            </a:fontRef>
+          </p:style>
+        </p:cxnSp>
+        <p:sp>
+          <p:nvSpPr>
+            <p:cNvPr id="103" name="Flowchart: Decision 96">
+              <a:extLst>
+                <a:ext uri="{FF2B5EF4-FFF2-40B4-BE49-F238E27FC236}">
+                  <a16:creationId xmlns:a16="http://schemas.microsoft.com/office/drawing/2014/main" id="{4EB34AB1-6DF7-4697-8D02-CCD5675629ED}"/>
+                </a:ext>
+              </a:extLst>
+            </p:cNvPr>
+            <p:cNvSpPr/>
+            <p:nvPr/>
+          </p:nvSpPr>
+          <p:spPr>
+            <a:xfrm>
+              <a:off x="2420322" y="3281806"/>
+              <a:ext cx="236048" cy="173380"/>
+            </a:xfrm>
+            <a:prstGeom prst="flowChartDecision">
+              <a:avLst/>
+            </a:prstGeom>
+            <a:noFill/>
+            <a:ln w="19050">
+              <a:solidFill>
+                <a:srgbClr val="7030A0"/>
+              </a:solidFill>
+            </a:ln>
+            <a:effectLst/>
+          </p:spPr>
+          <p:style>
+            <a:lnRef idx="1">
+              <a:schemeClr val="accent6"/>
+            </a:lnRef>
+            <a:fillRef idx="2">
+              <a:schemeClr val="accent6"/>
+            </a:fillRef>
+            <a:effectRef idx="1">
+              <a:schemeClr val="accent6"/>
+            </a:effectRef>
+            <a:fontRef idx="minor">
+              <a:schemeClr val="dk1"/>
+            </a:fontRef>
+          </p:style>
+          <p:txBody>
+            <a:bodyPr rtlCol="0" anchor="ctr"/>
+            <a:lstStyle/>
+            <a:p>
+              <a:pPr algn="ctr"/>
+              <a:endParaRPr lang="en-US" sz="1050"/>
+            </a:p>
+          </p:txBody>
+        </p:sp>
+        <p:sp>
+          <p:nvSpPr>
+            <p:cNvPr id="104" name="TextBox 103">
+              <a:extLst>
+                <a:ext uri="{FF2B5EF4-FFF2-40B4-BE49-F238E27FC236}">
+                  <a16:creationId xmlns:a16="http://schemas.microsoft.com/office/drawing/2014/main" id="{E5DCB695-E409-43EA-B772-C9349314AC41}"/>
+                </a:ext>
+              </a:extLst>
+            </p:cNvPr>
+            <p:cNvSpPr txBox="1"/>
+            <p:nvPr/>
+          </p:nvSpPr>
+          <p:spPr>
+            <a:xfrm>
+              <a:off x="2656370" y="3428010"/>
+              <a:ext cx="189257" cy="178683"/>
+            </a:xfrm>
+            <a:prstGeom prst="rect">
+              <a:avLst/>
+            </a:prstGeom>
+            <a:noFill/>
+          </p:spPr>
+          <p:txBody>
+            <a:bodyPr wrap="square" lIns="0" tIns="0" rIns="0" bIns="0" rtlCol="0">
+              <a:noAutofit/>
+            </a:bodyPr>
+            <a:lstStyle/>
+            <a:p>
+              <a:pPr algn="ctr"/>
+              <a:r>
+                <a:rPr lang="en-US" sz="1100" dirty="0">
+                  <a:solidFill>
+                    <a:srgbClr val="7030A0"/>
+                  </a:solidFill>
+                </a:rPr>
+                <a:t>1</a:t>
+              </a:r>
+              <a:endParaRPr lang="en-SG" sz="1100" dirty="0">
+                <a:solidFill>
+                  <a:srgbClr val="7030A0"/>
+                </a:solidFill>
+              </a:endParaRPr>
+            </a:p>
+          </p:txBody>
+        </p:sp>
+      </p:grpSp>
     </p:spTree>
     <p:extLst>
       <p:ext uri="{BB962C8B-B14F-4D97-AF65-F5344CB8AC3E}">

--- a/docs/diagrams/ModelComponentClassDiagram.pptx
+++ b/docs/diagrams/ModelComponentClassDiagram.pptx
@@ -208,7 +208,7 @@
           <a:p>
             <a:fld id="{F5CC4B3F-88C1-4FFA-B1B6-F41C21DC6924}" type="datetimeFigureOut">
               <a:rPr lang="en-US" smtClean="0"/>
-              <a:t>3/26/2018</a:t>
+              <a:t>4/10/2018</a:t>
             </a:fld>
             <a:endParaRPr lang="en-US"/>
           </a:p>
@@ -654,7 +654,7 @@
           <a:p>
             <a:fld id="{78C97017-6FC3-485B-9764-EAC9E56C1D49}" type="datetimeFigureOut">
               <a:rPr lang="en-US" smtClean="0"/>
-              <a:t>3/26/2018</a:t>
+              <a:t>4/10/2018</a:t>
             </a:fld>
             <a:endParaRPr lang="en-US"/>
           </a:p>
@@ -822,7 +822,7 @@
           <a:p>
             <a:fld id="{78C97017-6FC3-485B-9764-EAC9E56C1D49}" type="datetimeFigureOut">
               <a:rPr lang="en-US" smtClean="0"/>
-              <a:t>3/26/2018</a:t>
+              <a:t>4/10/2018</a:t>
             </a:fld>
             <a:endParaRPr lang="en-US"/>
           </a:p>
@@ -1000,7 +1000,7 @@
           <a:p>
             <a:fld id="{78C97017-6FC3-485B-9764-EAC9E56C1D49}" type="datetimeFigureOut">
               <a:rPr lang="en-US" smtClean="0"/>
-              <a:t>3/26/2018</a:t>
+              <a:t>4/10/2018</a:t>
             </a:fld>
             <a:endParaRPr lang="en-US"/>
           </a:p>
@@ -1168,7 +1168,7 @@
           <a:p>
             <a:fld id="{78C97017-6FC3-485B-9764-EAC9E56C1D49}" type="datetimeFigureOut">
               <a:rPr lang="en-US" smtClean="0"/>
-              <a:t>3/26/2018</a:t>
+              <a:t>4/10/2018</a:t>
             </a:fld>
             <a:endParaRPr lang="en-US"/>
           </a:p>
@@ -1413,7 +1413,7 @@
           <a:p>
             <a:fld id="{78C97017-6FC3-485B-9764-EAC9E56C1D49}" type="datetimeFigureOut">
               <a:rPr lang="en-US" smtClean="0"/>
-              <a:t>3/26/2018</a:t>
+              <a:t>4/10/2018</a:t>
             </a:fld>
             <a:endParaRPr lang="en-US"/>
           </a:p>
@@ -1698,7 +1698,7 @@
           <a:p>
             <a:fld id="{78C97017-6FC3-485B-9764-EAC9E56C1D49}" type="datetimeFigureOut">
               <a:rPr lang="en-US" smtClean="0"/>
-              <a:t>3/26/2018</a:t>
+              <a:t>4/10/2018</a:t>
             </a:fld>
             <a:endParaRPr lang="en-US"/>
           </a:p>
@@ -2117,7 +2117,7 @@
           <a:p>
             <a:fld id="{78C97017-6FC3-485B-9764-EAC9E56C1D49}" type="datetimeFigureOut">
               <a:rPr lang="en-US" smtClean="0"/>
-              <a:t>3/26/2018</a:t>
+              <a:t>4/10/2018</a:t>
             </a:fld>
             <a:endParaRPr lang="en-US"/>
           </a:p>
@@ -2234,7 +2234,7 @@
           <a:p>
             <a:fld id="{78C97017-6FC3-485B-9764-EAC9E56C1D49}" type="datetimeFigureOut">
               <a:rPr lang="en-US" smtClean="0"/>
-              <a:t>3/26/2018</a:t>
+              <a:t>4/10/2018</a:t>
             </a:fld>
             <a:endParaRPr lang="en-US"/>
           </a:p>
@@ -2329,7 +2329,7 @@
           <a:p>
             <a:fld id="{78C97017-6FC3-485B-9764-EAC9E56C1D49}" type="datetimeFigureOut">
               <a:rPr lang="en-US" smtClean="0"/>
-              <a:t>3/26/2018</a:t>
+              <a:t>4/10/2018</a:t>
             </a:fld>
             <a:endParaRPr lang="en-US"/>
           </a:p>
@@ -2604,7 +2604,7 @@
           <a:p>
             <a:fld id="{78C97017-6FC3-485B-9764-EAC9E56C1D49}" type="datetimeFigureOut">
               <a:rPr lang="en-US" smtClean="0"/>
-              <a:t>3/26/2018</a:t>
+              <a:t>4/10/2018</a:t>
             </a:fld>
             <a:endParaRPr lang="en-US"/>
           </a:p>
@@ -2856,7 +2856,7 @@
           <a:p>
             <a:fld id="{78C97017-6FC3-485B-9764-EAC9E56C1D49}" type="datetimeFigureOut">
               <a:rPr lang="en-US" smtClean="0"/>
-              <a:t>3/26/2018</a:t>
+              <a:t>4/10/2018</a:t>
             </a:fld>
             <a:endParaRPr lang="en-US"/>
           </a:p>
@@ -3067,7 +3067,7 @@
           <a:p>
             <a:fld id="{78C97017-6FC3-485B-9764-EAC9E56C1D49}" type="datetimeFigureOut">
               <a:rPr lang="en-US" smtClean="0"/>
-              <a:t>3/26/2018</a:t>
+              <a:t>4/10/2018</a:t>
             </a:fld>
             <a:endParaRPr lang="en-US"/>
           </a:p>
@@ -3451,7 +3451,7 @@
         <p:spPr>
           <a:xfrm>
             <a:off x="1119865" y="1526860"/>
-            <a:ext cx="7490735" cy="3273740"/>
+            <a:ext cx="7490735" cy="4411020"/>
           </a:xfrm>
           <a:prstGeom prst="roundRect">
             <a:avLst>
@@ -3511,8 +3511,8 @@
         </p:nvSpPr>
         <p:spPr>
           <a:xfrm rot="16200000">
-            <a:off x="1484620" y="3068030"/>
-            <a:ext cx="1492322" cy="346760"/>
+            <a:off x="1116206" y="3436444"/>
+            <a:ext cx="2229150" cy="346760"/>
           </a:xfrm>
           <a:prstGeom prst="rect">
             <a:avLst/>
@@ -3574,12 +3574,12 @@
         </p:nvCxnSpPr>
         <p:spPr>
           <a:xfrm rot="5400000" flipH="1" flipV="1">
-            <a:off x="3924269" y="1244071"/>
-            <a:ext cx="1050011" cy="4436989"/>
+            <a:off x="3555855" y="1612485"/>
+            <a:ext cx="1786839" cy="4436989"/>
           </a:xfrm>
           <a:prstGeom prst="bentConnector3">
             <a:avLst>
-              <a:gd name="adj1" fmla="val -23204"/>
+              <a:gd name="adj1" fmla="val -38448"/>
             </a:avLst>
           </a:prstGeom>
           <a:ln w="19050">
@@ -4681,14 +4681,12 @@
           <p:cNvPr id="97" name="Elbow Connector 63"/>
           <p:cNvCxnSpPr>
             <a:cxnSpLocks/>
-            <a:stCxn id="99" idx="3"/>
-            <a:endCxn id="46" idx="0"/>
           </p:cNvCxnSpPr>
           <p:nvPr/>
         </p:nvCxnSpPr>
         <p:spPr>
           <a:xfrm rot="16200000" flipH="1">
-            <a:off x="3344739" y="2420013"/>
+            <a:off x="3344740" y="2420014"/>
             <a:ext cx="163062" cy="75"/>
           </a:xfrm>
           <a:prstGeom prst="bentConnector3">
@@ -4887,7 +4885,7 @@
         </p:nvSpPr>
         <p:spPr>
           <a:xfrm>
-            <a:off x="2057401" y="4343400"/>
+            <a:off x="2057401" y="5520640"/>
             <a:ext cx="1066800" cy="346760"/>
           </a:xfrm>
           <a:prstGeom prst="rect">
@@ -4961,8 +4959,8 @@
         </p:nvCxnSpPr>
         <p:spPr>
           <a:xfrm rot="16200000" flipH="1">
-            <a:off x="1312520" y="3771899"/>
-            <a:ext cx="935380" cy="554381"/>
+            <a:off x="723900" y="4360519"/>
+            <a:ext cx="2112620" cy="554381"/>
           </a:xfrm>
           <a:prstGeom prst="bentConnector2">
             <a:avLst/>
@@ -5031,7 +5029,7 @@
         </p:nvSpPr>
         <p:spPr>
           <a:xfrm>
-            <a:off x="4324972" y="2819400"/>
+            <a:off x="4313002" y="2562437"/>
             <a:ext cx="189257" cy="178683"/>
           </a:xfrm>
           <a:prstGeom prst="rect">
@@ -5101,7 +5099,7 @@
         </p:nvSpPr>
         <p:spPr>
           <a:xfrm>
-            <a:off x="6135256" y="2830651"/>
+            <a:off x="6132460" y="2601084"/>
             <a:ext cx="189257" cy="178683"/>
           </a:xfrm>
           <a:prstGeom prst="rect">
@@ -5185,10 +5183,10 @@
         </p:nvGrpSpPr>
         <p:grpSpPr>
           <a:xfrm>
-            <a:off x="2420322" y="3352800"/>
-            <a:ext cx="1550493" cy="406293"/>
-            <a:chOff x="2420322" y="3200400"/>
-            <a:chExt cx="1550493" cy="406293"/>
+            <a:off x="2420322" y="3326517"/>
+            <a:ext cx="1550493" cy="373043"/>
+            <a:chOff x="2420322" y="3174117"/>
+            <a:chExt cx="1550493" cy="373043"/>
           </a:xfrm>
         </p:grpSpPr>
         <p:sp>
@@ -5344,7 +5342,7 @@
           </p:nvSpPr>
           <p:spPr>
             <a:xfrm>
-              <a:off x="2656370" y="3428010"/>
+              <a:off x="2656370" y="3174117"/>
               <a:ext cx="189257" cy="178683"/>
             </a:xfrm>
             <a:prstGeom prst="rect">
@@ -6513,10 +6511,10 @@
         </p:nvGrpSpPr>
         <p:grpSpPr>
           <a:xfrm>
-            <a:off x="2414436" y="3759969"/>
-            <a:ext cx="1550493" cy="406293"/>
-            <a:chOff x="2420322" y="3200400"/>
-            <a:chExt cx="1550493" cy="406293"/>
+            <a:off x="2414436" y="3733800"/>
+            <a:ext cx="1550493" cy="372929"/>
+            <a:chOff x="2420322" y="3174231"/>
+            <a:chExt cx="1550493" cy="372929"/>
           </a:xfrm>
         </p:grpSpPr>
         <p:sp>
@@ -6696,7 +6694,7 @@
           </p:nvSpPr>
           <p:spPr>
             <a:xfrm>
-              <a:off x="2656370" y="3428010"/>
+              <a:off x="2656370" y="3174231"/>
               <a:ext cx="189257" cy="178683"/>
             </a:xfrm>
             <a:prstGeom prst="rect">
@@ -6728,6 +6726,602 @@
           </p:txBody>
         </p:sp>
       </p:grpSp>
+      <p:sp>
+        <p:nvSpPr>
+          <p:cNvPr id="89" name="Rectangle 8">
+            <a:extLst>
+              <a:ext uri="{FF2B5EF4-FFF2-40B4-BE49-F238E27FC236}">
+                <a16:creationId xmlns:a16="http://schemas.microsoft.com/office/drawing/2014/main" id="{8327F0B1-C2A9-4315-B2CF-B9CD9310D128}"/>
+              </a:ext>
+            </a:extLst>
+          </p:cNvPr>
+          <p:cNvSpPr/>
+          <p:nvPr/>
+        </p:nvSpPr>
+        <p:spPr>
+          <a:xfrm>
+            <a:off x="2861875" y="4229337"/>
+            <a:ext cx="1291923" cy="346760"/>
+          </a:xfrm>
+          <a:prstGeom prst="rect">
+            <a:avLst/>
+          </a:prstGeom>
+          <a:ln w="19050">
+            <a:solidFill>
+              <a:srgbClr val="7030A0"/>
+            </a:solidFill>
+          </a:ln>
+          <a:effectLst/>
+        </p:spPr>
+        <p:style>
+          <a:lnRef idx="1">
+            <a:schemeClr val="accent4"/>
+          </a:lnRef>
+          <a:fillRef idx="2">
+            <a:schemeClr val="accent4"/>
+          </a:fillRef>
+          <a:effectRef idx="1">
+            <a:schemeClr val="accent4"/>
+          </a:effectRef>
+          <a:fontRef idx="minor">
+            <a:schemeClr val="dk1"/>
+          </a:fontRef>
+        </p:style>
+        <p:txBody>
+          <a:bodyPr rtlCol="0" anchor="ctr"/>
+          <a:lstStyle/>
+          <a:p>
+            <a:pPr algn="ctr"/>
+            <a:r>
+              <a:rPr lang="en-US" sz="1050" dirty="0" err="1">
+                <a:solidFill>
+                  <a:srgbClr val="7030A0"/>
+                </a:solidFill>
+              </a:rPr>
+              <a:t>UniqueAliasList</a:t>
+            </a:r>
+            <a:endParaRPr lang="en-SG" sz="1050" dirty="0">
+              <a:solidFill>
+                <a:srgbClr val="7030A0"/>
+              </a:solidFill>
+            </a:endParaRPr>
+          </a:p>
+        </p:txBody>
+      </p:sp>
+      <p:cxnSp>
+        <p:nvCxnSpPr>
+          <p:cNvPr id="92" name="Straight Arrow Connector 91">
+            <a:extLst>
+              <a:ext uri="{FF2B5EF4-FFF2-40B4-BE49-F238E27FC236}">
+                <a16:creationId xmlns:a16="http://schemas.microsoft.com/office/drawing/2014/main" id="{AC59A891-0B3B-416E-857E-DEE5E4E28B8B}"/>
+              </a:ext>
+            </a:extLst>
+          </p:cNvPr>
+          <p:cNvCxnSpPr>
+            <a:cxnSpLocks/>
+            <a:stCxn id="93" idx="3"/>
+            <a:endCxn id="89" idx="1"/>
+          </p:cNvCxnSpPr>
+          <p:nvPr/>
+        </p:nvCxnSpPr>
+        <p:spPr>
+          <a:xfrm>
+            <a:off x="2641065" y="4397433"/>
+            <a:ext cx="220810" cy="5284"/>
+          </a:xfrm>
+          <a:prstGeom prst="straightConnector1">
+            <a:avLst/>
+          </a:prstGeom>
+          <a:ln w="19050">
+            <a:solidFill>
+              <a:srgbClr val="7030A0"/>
+            </a:solidFill>
+            <a:headEnd type="none" w="med" len="med"/>
+            <a:tailEnd type="arrow" w="med" len="med"/>
+          </a:ln>
+          <a:effectLst/>
+        </p:spPr>
+        <p:style>
+          <a:lnRef idx="1">
+            <a:schemeClr val="accent2"/>
+          </a:lnRef>
+          <a:fillRef idx="2">
+            <a:schemeClr val="accent2"/>
+          </a:fillRef>
+          <a:effectRef idx="1">
+            <a:schemeClr val="accent2"/>
+          </a:effectRef>
+          <a:fontRef idx="minor">
+            <a:schemeClr val="dk1"/>
+          </a:fontRef>
+        </p:style>
+      </p:cxnSp>
+      <p:sp>
+        <p:nvSpPr>
+          <p:cNvPr id="93" name="Flowchart: Decision 96">
+            <a:extLst>
+              <a:ext uri="{FF2B5EF4-FFF2-40B4-BE49-F238E27FC236}">
+                <a16:creationId xmlns:a16="http://schemas.microsoft.com/office/drawing/2014/main" id="{25974819-5E01-4103-BA17-4879C509EF89}"/>
+              </a:ext>
+            </a:extLst>
+          </p:cNvPr>
+          <p:cNvSpPr/>
+          <p:nvPr/>
+        </p:nvSpPr>
+        <p:spPr>
+          <a:xfrm>
+            <a:off x="2405017" y="4310743"/>
+            <a:ext cx="236048" cy="173380"/>
+          </a:xfrm>
+          <a:prstGeom prst="flowChartDecision">
+            <a:avLst/>
+          </a:prstGeom>
+          <a:noFill/>
+          <a:ln w="19050">
+            <a:solidFill>
+              <a:srgbClr val="7030A0"/>
+            </a:solidFill>
+          </a:ln>
+          <a:effectLst/>
+        </p:spPr>
+        <p:style>
+          <a:lnRef idx="1">
+            <a:schemeClr val="accent6"/>
+          </a:lnRef>
+          <a:fillRef idx="2">
+            <a:schemeClr val="accent6"/>
+          </a:fillRef>
+          <a:effectRef idx="1">
+            <a:schemeClr val="accent6"/>
+          </a:effectRef>
+          <a:fontRef idx="minor">
+            <a:schemeClr val="dk1"/>
+          </a:fontRef>
+        </p:style>
+        <p:txBody>
+          <a:bodyPr rtlCol="0" anchor="ctr"/>
+          <a:lstStyle/>
+          <a:p>
+            <a:pPr algn="ctr"/>
+            <a:endParaRPr lang="en-US" sz="1050"/>
+          </a:p>
+        </p:txBody>
+      </p:sp>
+      <p:sp>
+        <p:nvSpPr>
+          <p:cNvPr id="94" name="TextBox 93">
+            <a:extLst>
+              <a:ext uri="{FF2B5EF4-FFF2-40B4-BE49-F238E27FC236}">
+                <a16:creationId xmlns:a16="http://schemas.microsoft.com/office/drawing/2014/main" id="{AE35E1F2-B54C-4F39-B7E5-76F8F10617E9}"/>
+              </a:ext>
+            </a:extLst>
+          </p:cNvPr>
+          <p:cNvSpPr txBox="1"/>
+          <p:nvPr/>
+        </p:nvSpPr>
+        <p:spPr>
+          <a:xfrm>
+            <a:off x="2670308" y="4166155"/>
+            <a:ext cx="189257" cy="178683"/>
+          </a:xfrm>
+          <a:prstGeom prst="rect">
+            <a:avLst/>
+          </a:prstGeom>
+          <a:noFill/>
+        </p:spPr>
+        <p:txBody>
+          <a:bodyPr wrap="square" lIns="0" tIns="0" rIns="0" bIns="0" rtlCol="0">
+            <a:noAutofit/>
+          </a:bodyPr>
+          <a:lstStyle/>
+          <a:p>
+            <a:pPr algn="ctr"/>
+            <a:r>
+              <a:rPr lang="en-US" sz="1100" dirty="0">
+                <a:solidFill>
+                  <a:srgbClr val="7030A0"/>
+                </a:solidFill>
+              </a:rPr>
+              <a:t>1</a:t>
+            </a:r>
+            <a:endParaRPr lang="en-SG" sz="1100" dirty="0">
+              <a:solidFill>
+                <a:srgbClr val="7030A0"/>
+              </a:solidFill>
+            </a:endParaRPr>
+          </a:p>
+        </p:txBody>
+      </p:sp>
+      <p:sp>
+        <p:nvSpPr>
+          <p:cNvPr id="95" name="Rectangle 8">
+            <a:extLst>
+              <a:ext uri="{FF2B5EF4-FFF2-40B4-BE49-F238E27FC236}">
+                <a16:creationId xmlns:a16="http://schemas.microsoft.com/office/drawing/2014/main" id="{3C3B903C-8F64-4CE7-8CAD-EBF9AD640CDE}"/>
+              </a:ext>
+            </a:extLst>
+          </p:cNvPr>
+          <p:cNvSpPr/>
+          <p:nvPr/>
+        </p:nvSpPr>
+        <p:spPr>
+          <a:xfrm>
+            <a:off x="4693266" y="4220006"/>
+            <a:ext cx="708186" cy="346760"/>
+          </a:xfrm>
+          <a:prstGeom prst="rect">
+            <a:avLst/>
+          </a:prstGeom>
+          <a:ln w="19050">
+            <a:solidFill>
+              <a:srgbClr val="7030A0"/>
+            </a:solidFill>
+          </a:ln>
+          <a:effectLst/>
+        </p:spPr>
+        <p:style>
+          <a:lnRef idx="1">
+            <a:schemeClr val="accent4"/>
+          </a:lnRef>
+          <a:fillRef idx="2">
+            <a:schemeClr val="accent4"/>
+          </a:fillRef>
+          <a:effectRef idx="1">
+            <a:schemeClr val="accent4"/>
+          </a:effectRef>
+          <a:fontRef idx="minor">
+            <a:schemeClr val="dk1"/>
+          </a:fontRef>
+        </p:style>
+        <p:txBody>
+          <a:bodyPr rtlCol="0" anchor="ctr"/>
+          <a:lstStyle/>
+          <a:p>
+            <a:pPr algn="ctr"/>
+            <a:r>
+              <a:rPr lang="en-US" sz="1050" dirty="0">
+                <a:solidFill>
+                  <a:srgbClr val="7030A0"/>
+                </a:solidFill>
+              </a:rPr>
+              <a:t>Alias</a:t>
+            </a:r>
+            <a:endParaRPr lang="en-SG" sz="1050" dirty="0">
+              <a:solidFill>
+                <a:srgbClr val="7030A0"/>
+              </a:solidFill>
+            </a:endParaRPr>
+          </a:p>
+        </p:txBody>
+      </p:sp>
+      <p:sp>
+        <p:nvSpPr>
+          <p:cNvPr id="96" name="Flowchart: Decision 96">
+            <a:extLst>
+              <a:ext uri="{FF2B5EF4-FFF2-40B4-BE49-F238E27FC236}">
+                <a16:creationId xmlns:a16="http://schemas.microsoft.com/office/drawing/2014/main" id="{88717215-6B57-478C-A40F-C4C2DDDA8B32}"/>
+              </a:ext>
+            </a:extLst>
+          </p:cNvPr>
+          <p:cNvSpPr/>
+          <p:nvPr/>
+        </p:nvSpPr>
+        <p:spPr>
+          <a:xfrm>
+            <a:off x="4163282" y="4310743"/>
+            <a:ext cx="236048" cy="173380"/>
+          </a:xfrm>
+          <a:prstGeom prst="flowChartDecision">
+            <a:avLst/>
+          </a:prstGeom>
+          <a:noFill/>
+          <a:ln w="19050">
+            <a:solidFill>
+              <a:srgbClr val="7030A0"/>
+            </a:solidFill>
+          </a:ln>
+          <a:effectLst/>
+        </p:spPr>
+        <p:style>
+          <a:lnRef idx="1">
+            <a:schemeClr val="accent6"/>
+          </a:lnRef>
+          <a:fillRef idx="2">
+            <a:schemeClr val="accent6"/>
+          </a:fillRef>
+          <a:effectRef idx="1">
+            <a:schemeClr val="accent6"/>
+          </a:effectRef>
+          <a:fontRef idx="minor">
+            <a:schemeClr val="dk1"/>
+          </a:fontRef>
+        </p:style>
+        <p:txBody>
+          <a:bodyPr rtlCol="0" anchor="ctr"/>
+          <a:lstStyle/>
+          <a:p>
+            <a:pPr algn="ctr"/>
+            <a:endParaRPr lang="en-US" sz="1050"/>
+          </a:p>
+        </p:txBody>
+      </p:sp>
+      <p:cxnSp>
+        <p:nvCxnSpPr>
+          <p:cNvPr id="105" name="Elbow Connector 63">
+            <a:extLst>
+              <a:ext uri="{FF2B5EF4-FFF2-40B4-BE49-F238E27FC236}">
+                <a16:creationId xmlns:a16="http://schemas.microsoft.com/office/drawing/2014/main" id="{E1D0D208-27EE-4063-B746-BA0C29302731}"/>
+              </a:ext>
+            </a:extLst>
+          </p:cNvPr>
+          <p:cNvCxnSpPr>
+            <a:cxnSpLocks/>
+            <a:stCxn id="96" idx="3"/>
+            <a:endCxn id="95" idx="1"/>
+          </p:cNvCxnSpPr>
+          <p:nvPr/>
+        </p:nvCxnSpPr>
+        <p:spPr>
+          <a:xfrm flipV="1">
+            <a:off x="4399330" y="4393386"/>
+            <a:ext cx="293936" cy="4047"/>
+          </a:xfrm>
+          <a:prstGeom prst="bentConnector3">
+            <a:avLst>
+              <a:gd name="adj1" fmla="val 50000"/>
+            </a:avLst>
+          </a:prstGeom>
+          <a:ln w="19050">
+            <a:solidFill>
+              <a:srgbClr val="7030A0"/>
+            </a:solidFill>
+            <a:headEnd type="none" w="med" len="med"/>
+            <a:tailEnd type="arrow" w="med" len="med"/>
+          </a:ln>
+          <a:effectLst/>
+        </p:spPr>
+        <p:style>
+          <a:lnRef idx="1">
+            <a:schemeClr val="accent2"/>
+          </a:lnRef>
+          <a:fillRef idx="2">
+            <a:schemeClr val="accent2"/>
+          </a:fillRef>
+          <a:effectRef idx="1">
+            <a:schemeClr val="accent2"/>
+          </a:effectRef>
+          <a:fontRef idx="minor">
+            <a:schemeClr val="dk1"/>
+          </a:fontRef>
+        </p:style>
+      </p:cxnSp>
+      <p:sp>
+        <p:nvSpPr>
+          <p:cNvPr id="106" name="TextBox 105">
+            <a:extLst>
+              <a:ext uri="{FF2B5EF4-FFF2-40B4-BE49-F238E27FC236}">
+                <a16:creationId xmlns:a16="http://schemas.microsoft.com/office/drawing/2014/main" id="{C77F5D6F-BAAE-4802-86AE-4C5CDEA7AAF7}"/>
+              </a:ext>
+            </a:extLst>
+          </p:cNvPr>
+          <p:cNvSpPr txBox="1"/>
+          <p:nvPr/>
+        </p:nvSpPr>
+        <p:spPr>
+          <a:xfrm>
+            <a:off x="4523662" y="4240162"/>
+            <a:ext cx="189257" cy="178683"/>
+          </a:xfrm>
+          <a:prstGeom prst="rect">
+            <a:avLst/>
+          </a:prstGeom>
+          <a:noFill/>
+        </p:spPr>
+        <p:txBody>
+          <a:bodyPr wrap="square" lIns="0" tIns="0" rIns="0" bIns="0" rtlCol="0">
+            <a:noAutofit/>
+          </a:bodyPr>
+          <a:lstStyle/>
+          <a:p>
+            <a:pPr algn="ctr"/>
+            <a:r>
+              <a:rPr lang="en-US" sz="1100" dirty="0">
+                <a:solidFill>
+                  <a:srgbClr val="7030A0"/>
+                </a:solidFill>
+              </a:rPr>
+              <a:t>*</a:t>
+            </a:r>
+            <a:endParaRPr lang="en-SG" sz="1100" dirty="0">
+              <a:solidFill>
+                <a:srgbClr val="7030A0"/>
+              </a:solidFill>
+            </a:endParaRPr>
+          </a:p>
+        </p:txBody>
+      </p:sp>
+      <p:sp>
+        <p:nvSpPr>
+          <p:cNvPr id="110" name="Isosceles Triangle 102">
+            <a:extLst>
+              <a:ext uri="{FF2B5EF4-FFF2-40B4-BE49-F238E27FC236}">
+                <a16:creationId xmlns:a16="http://schemas.microsoft.com/office/drawing/2014/main" id="{AA327505-99C8-4AFE-8217-66F90BD806A9}"/>
+              </a:ext>
+            </a:extLst>
+          </p:cNvPr>
+          <p:cNvSpPr/>
+          <p:nvPr/>
+        </p:nvSpPr>
+        <p:spPr>
+          <a:xfrm flipV="1">
+            <a:off x="3372584" y="4752512"/>
+            <a:ext cx="270504" cy="175523"/>
+          </a:xfrm>
+          <a:prstGeom prst="triangle">
+            <a:avLst/>
+          </a:prstGeom>
+          <a:ln w="19050">
+            <a:solidFill>
+              <a:srgbClr val="7030A0"/>
+            </a:solidFill>
+          </a:ln>
+          <a:effectLst/>
+        </p:spPr>
+        <p:style>
+          <a:lnRef idx="1">
+            <a:schemeClr val="accent4"/>
+          </a:lnRef>
+          <a:fillRef idx="2">
+            <a:schemeClr val="accent4"/>
+          </a:fillRef>
+          <a:effectRef idx="1">
+            <a:schemeClr val="accent4"/>
+          </a:effectRef>
+          <a:fontRef idx="minor">
+            <a:schemeClr val="dk1"/>
+          </a:fontRef>
+        </p:style>
+        <p:txBody>
+          <a:bodyPr rtlCol="0" anchor="ctr"/>
+          <a:lstStyle/>
+          <a:p>
+            <a:pPr algn="ctr"/>
+            <a:endParaRPr lang="en-SG" sz="1050" b="1">
+              <a:solidFill>
+                <a:srgbClr val="92D050"/>
+              </a:solidFill>
+            </a:endParaRPr>
+          </a:p>
+        </p:txBody>
+      </p:sp>
+      <p:sp>
+        <p:nvSpPr>
+          <p:cNvPr id="111" name="Rectangle 8">
+            <a:extLst>
+              <a:ext uri="{FF2B5EF4-FFF2-40B4-BE49-F238E27FC236}">
+                <a16:creationId xmlns:a16="http://schemas.microsoft.com/office/drawing/2014/main" id="{F11AF543-DAC3-4A0E-BA22-8982F0C7D8AD}"/>
+              </a:ext>
+            </a:extLst>
+          </p:cNvPr>
+          <p:cNvSpPr/>
+          <p:nvPr/>
+        </p:nvSpPr>
+        <p:spPr>
+          <a:xfrm>
+            <a:off x="2773076" y="4946259"/>
+            <a:ext cx="1539926" cy="346760"/>
+          </a:xfrm>
+          <a:prstGeom prst="rect">
+            <a:avLst/>
+          </a:prstGeom>
+          <a:ln w="19050">
+            <a:solidFill>
+              <a:srgbClr val="7030A0"/>
+            </a:solidFill>
+          </a:ln>
+          <a:effectLst/>
+        </p:spPr>
+        <p:style>
+          <a:lnRef idx="1">
+            <a:schemeClr val="accent4"/>
+          </a:lnRef>
+          <a:fillRef idx="2">
+            <a:schemeClr val="accent4"/>
+          </a:fillRef>
+          <a:effectRef idx="1">
+            <a:schemeClr val="accent4"/>
+          </a:effectRef>
+          <a:fontRef idx="minor">
+            <a:schemeClr val="dk1"/>
+          </a:fontRef>
+        </p:style>
+        <p:txBody>
+          <a:bodyPr rtlCol="0" anchor="ctr"/>
+          <a:lstStyle/>
+          <a:p>
+            <a:pPr algn="ctr"/>
+            <a:r>
+              <a:rPr lang="en-US" sz="1050" dirty="0">
+                <a:solidFill>
+                  <a:srgbClr val="7030A0"/>
+                </a:solidFill>
+              </a:rPr>
+              <a:t>&lt;&lt;interface&gt;&gt;</a:t>
+            </a:r>
+            <a:br>
+              <a:rPr lang="en-US" sz="1050" dirty="0">
+                <a:solidFill>
+                  <a:srgbClr val="7030A0"/>
+                </a:solidFill>
+              </a:rPr>
+            </a:br>
+            <a:r>
+              <a:rPr lang="en-US" sz="1050" dirty="0" err="1">
+                <a:solidFill>
+                  <a:srgbClr val="7030A0"/>
+                </a:solidFill>
+              </a:rPr>
+              <a:t>ReadOnlyAliasList</a:t>
+            </a:r>
+            <a:endParaRPr lang="en-SG" sz="1050" dirty="0">
+              <a:solidFill>
+                <a:srgbClr val="7030A0"/>
+              </a:solidFill>
+            </a:endParaRPr>
+          </a:p>
+        </p:txBody>
+      </p:sp>
+      <p:cxnSp>
+        <p:nvCxnSpPr>
+          <p:cNvPr id="112" name="Elbow Connector 63">
+            <a:extLst>
+              <a:ext uri="{FF2B5EF4-FFF2-40B4-BE49-F238E27FC236}">
+                <a16:creationId xmlns:a16="http://schemas.microsoft.com/office/drawing/2014/main" id="{8B65DB4F-64AB-4817-921C-D9D7BA5268B1}"/>
+              </a:ext>
+            </a:extLst>
+          </p:cNvPr>
+          <p:cNvCxnSpPr>
+            <a:cxnSpLocks/>
+            <a:stCxn id="89" idx="2"/>
+            <a:endCxn id="110" idx="3"/>
+          </p:cNvCxnSpPr>
+          <p:nvPr/>
+        </p:nvCxnSpPr>
+        <p:spPr>
+          <a:xfrm rot="5400000">
+            <a:off x="3419630" y="4664304"/>
+            <a:ext cx="176415" cy="1"/>
+          </a:xfrm>
+          <a:prstGeom prst="bentConnector3">
+            <a:avLst>
+              <a:gd name="adj1" fmla="val 50000"/>
+            </a:avLst>
+          </a:prstGeom>
+          <a:ln w="19050">
+            <a:solidFill>
+              <a:srgbClr val="7030A0"/>
+            </a:solidFill>
+            <a:prstDash val="sysDot"/>
+            <a:headEnd type="none" w="med" len="med"/>
+            <a:tailEnd type="none" w="med" len="med"/>
+          </a:ln>
+          <a:effectLst/>
+        </p:spPr>
+        <p:style>
+          <a:lnRef idx="1">
+            <a:schemeClr val="accent2"/>
+          </a:lnRef>
+          <a:fillRef idx="2">
+            <a:schemeClr val="accent2"/>
+          </a:fillRef>
+          <a:effectRef idx="1">
+            <a:schemeClr val="accent2"/>
+          </a:effectRef>
+          <a:fontRef idx="minor">
+            <a:schemeClr val="dk1"/>
+          </a:fontRef>
+        </p:style>
+      </p:cxnSp>
     </p:spTree>
     <p:extLst>
       <p:ext uri="{BB962C8B-B14F-4D97-AF65-F5344CB8AC3E}">
